--- a/CW2/Text Summarization.pptx
+++ b/CW2/Text Summarization.pptx
@@ -25,6 +25,7 @@
     <p:sldId id="267" r:id="rId19"/>
     <p:sldId id="268" r:id="rId20"/>
     <p:sldId id="264" r:id="rId21"/>
+    <p:sldId id="279" r:id="rId22"/>
   </p:sldIdLst>
   <p:sldSz cx="12192000" cy="6858000"/>
   <p:notesSz cx="6858000" cy="9144000"/>
@@ -123,6 +124,11 @@
       </a:defRPr>
     </a:lvl9pPr>
   </p:defaultTextStyle>
+  <p:extLst>
+    <p:ext uri="{EFAFB233-063F-42B5-8137-9DF3F51BA10A}">
+      <p15:sldGuideLst xmlns:p15="http://schemas.microsoft.com/office/powerpoint/2012/main"/>
+    </p:ext>
+  </p:extLst>
 </p:presentation>
 </file>
 
@@ -273,7 +279,7 @@
           <a:p>
             <a:fld id="{69E3B0D5-7916-4F5A-8E1E-B6442A1A000D}" type="datetimeFigureOut">
               <a:rPr lang="en-US" smtClean="0"/>
-              <a:t>5/1/2020</a:t>
+              <a:t>5/2/2020</a:t>
             </a:fld>
             <a:endParaRPr lang="en-US"/>
           </a:p>
@@ -471,7 +477,7 @@
           <a:p>
             <a:fld id="{69E3B0D5-7916-4F5A-8E1E-B6442A1A000D}" type="datetimeFigureOut">
               <a:rPr lang="en-US" smtClean="0"/>
-              <a:t>5/1/2020</a:t>
+              <a:t>5/2/2020</a:t>
             </a:fld>
             <a:endParaRPr lang="en-US"/>
           </a:p>
@@ -679,7 +685,7 @@
           <a:p>
             <a:fld id="{69E3B0D5-7916-4F5A-8E1E-B6442A1A000D}" type="datetimeFigureOut">
               <a:rPr lang="en-US" smtClean="0"/>
-              <a:t>5/1/2020</a:t>
+              <a:t>5/2/2020</a:t>
             </a:fld>
             <a:endParaRPr lang="en-US"/>
           </a:p>
@@ -877,7 +883,7 @@
           <a:p>
             <a:fld id="{69E3B0D5-7916-4F5A-8E1E-B6442A1A000D}" type="datetimeFigureOut">
               <a:rPr lang="en-US" smtClean="0"/>
-              <a:t>5/1/2020</a:t>
+              <a:t>5/2/2020</a:t>
             </a:fld>
             <a:endParaRPr lang="en-US"/>
           </a:p>
@@ -1152,7 +1158,7 @@
           <a:p>
             <a:fld id="{69E3B0D5-7916-4F5A-8E1E-B6442A1A000D}" type="datetimeFigureOut">
               <a:rPr lang="en-US" smtClean="0"/>
-              <a:t>5/1/2020</a:t>
+              <a:t>5/2/2020</a:t>
             </a:fld>
             <a:endParaRPr lang="en-US"/>
           </a:p>
@@ -1417,7 +1423,7 @@
           <a:p>
             <a:fld id="{69E3B0D5-7916-4F5A-8E1E-B6442A1A000D}" type="datetimeFigureOut">
               <a:rPr lang="en-US" smtClean="0"/>
-              <a:t>5/1/2020</a:t>
+              <a:t>5/2/2020</a:t>
             </a:fld>
             <a:endParaRPr lang="en-US"/>
           </a:p>
@@ -1829,7 +1835,7 @@
           <a:p>
             <a:fld id="{69E3B0D5-7916-4F5A-8E1E-B6442A1A000D}" type="datetimeFigureOut">
               <a:rPr lang="en-US" smtClean="0"/>
-              <a:t>5/1/2020</a:t>
+              <a:t>5/2/2020</a:t>
             </a:fld>
             <a:endParaRPr lang="en-US"/>
           </a:p>
@@ -1970,7 +1976,7 @@
           <a:p>
             <a:fld id="{69E3B0D5-7916-4F5A-8E1E-B6442A1A000D}" type="datetimeFigureOut">
               <a:rPr lang="en-US" smtClean="0"/>
-              <a:t>5/1/2020</a:t>
+              <a:t>5/2/2020</a:t>
             </a:fld>
             <a:endParaRPr lang="en-US"/>
           </a:p>
@@ -2083,7 +2089,7 @@
           <a:p>
             <a:fld id="{69E3B0D5-7916-4F5A-8E1E-B6442A1A000D}" type="datetimeFigureOut">
               <a:rPr lang="en-US" smtClean="0"/>
-              <a:t>5/1/2020</a:t>
+              <a:t>5/2/2020</a:t>
             </a:fld>
             <a:endParaRPr lang="en-US"/>
           </a:p>
@@ -2394,7 +2400,7 @@
           <a:p>
             <a:fld id="{69E3B0D5-7916-4F5A-8E1E-B6442A1A000D}" type="datetimeFigureOut">
               <a:rPr lang="en-US" smtClean="0"/>
-              <a:t>5/1/2020</a:t>
+              <a:t>5/2/2020</a:t>
             </a:fld>
             <a:endParaRPr lang="en-US"/>
           </a:p>
@@ -2682,7 +2688,7 @@
           <a:p>
             <a:fld id="{69E3B0D5-7916-4F5A-8E1E-B6442A1A000D}" type="datetimeFigureOut">
               <a:rPr lang="en-US" smtClean="0"/>
-              <a:t>5/1/2020</a:t>
+              <a:t>5/2/2020</a:t>
             </a:fld>
             <a:endParaRPr lang="en-US"/>
           </a:p>
@@ -2923,7 +2929,7 @@
           <a:p>
             <a:fld id="{69E3B0D5-7916-4F5A-8E1E-B6442A1A000D}" type="datetimeFigureOut">
               <a:rPr lang="en-US" smtClean="0"/>
-              <a:t>5/1/2020</a:t>
+              <a:t>5/2/2020</a:t>
             </a:fld>
             <a:endParaRPr lang="en-US"/>
           </a:p>
@@ -5253,8 +5259,8 @@
           </a:p>
         </p:txBody>
       </p:sp>
-      <mc:AlternateContent xmlns:mc="http://schemas.openxmlformats.org/markup-compatibility/2006">
-        <mc:Choice xmlns:a14="http://schemas.microsoft.com/office/drawing/2010/main" Requires="a14">
+      <mc:AlternateContent xmlns:mc="http://schemas.openxmlformats.org/markup-compatibility/2006" xmlns:a14="http://schemas.microsoft.com/office/drawing/2010/main">
+        <mc:Choice Requires="a14">
           <p:sp>
             <p:nvSpPr>
               <p:cNvPr id="9" name="TextBox 8">
@@ -5387,7 +5393,7 @@
             </p:txBody>
           </p:sp>
         </mc:Choice>
-        <mc:Fallback>
+        <mc:Fallback xmlns="">
           <p:sp>
             <p:nvSpPr>
               <p:cNvPr id="9" name="TextBox 8">
@@ -5862,8 +5868,8 @@
           </a:p>
         </p:txBody>
       </p:sp>
-      <mc:AlternateContent xmlns:mc="http://schemas.openxmlformats.org/markup-compatibility/2006">
-        <mc:Choice xmlns:a14="http://schemas.microsoft.com/office/drawing/2010/main" Requires="a14">
+      <mc:AlternateContent xmlns:mc="http://schemas.openxmlformats.org/markup-compatibility/2006" xmlns:a14="http://schemas.microsoft.com/office/drawing/2010/main">
+        <mc:Choice Requires="a14">
           <p:sp>
             <p:nvSpPr>
               <p:cNvPr id="5" name="TextBox 4">
@@ -5966,7 +5972,7 @@
             </p:txBody>
           </p:sp>
         </mc:Choice>
-        <mc:Fallback>
+        <mc:Fallback xmlns="">
           <p:sp>
             <p:nvSpPr>
               <p:cNvPr id="5" name="TextBox 4">
@@ -6678,111 +6684,195 @@
       </p:grpSpPr>
       <p:sp>
         <p:nvSpPr>
-          <p:cNvPr id="2" name="Title 1">
-            <a:extLst>
-              <a:ext uri="{FF2B5EF4-FFF2-40B4-BE49-F238E27FC236}">
-                <a16:creationId xmlns:a16="http://schemas.microsoft.com/office/drawing/2014/main" id="{C4A394F7-2B73-418C-A0AB-5FCA96EC5615}"/>
-              </a:ext>
-            </a:extLst>
-          </p:cNvPr>
-          <p:cNvSpPr>
-            <a:spLocks noGrp="1"/>
-          </p:cNvSpPr>
-          <p:nvPr>
-            <p:ph type="title"/>
-          </p:nvPr>
+          <p:cNvPr id="7" name="Content Placeholder 2">
+            <a:extLst>
+              <a:ext uri="{FF2B5EF4-FFF2-40B4-BE49-F238E27FC236}">
+                <a16:creationId xmlns:a16="http://schemas.microsoft.com/office/drawing/2014/main" id="{A5E7E28C-8A14-4923-BCFA-F67BB1D4FA33}"/>
+              </a:ext>
+            </a:extLst>
+          </p:cNvPr>
+          <p:cNvSpPr txBox="1">
+            <a:spLocks/>
+          </p:cNvSpPr>
+          <p:nvPr/>
         </p:nvSpPr>
         <p:spPr>
           <a:xfrm>
-            <a:off x="648929" y="746712"/>
-            <a:ext cx="3651467" cy="1676603"/>
-          </a:xfrm>
-        </p:spPr>
-        <p:txBody>
-          <a:bodyPr>
-            <a:normAutofit/>
-          </a:bodyPr>
-          <a:lstStyle/>
-          <a:p>
-            <a:r>
-              <a:rPr lang="en-US" dirty="0">
-                <a:solidFill>
-                  <a:schemeClr val="tx2">
-                    <a:lumMod val="75000"/>
-                  </a:schemeClr>
-                </a:solidFill>
-                <a:highlight>
-                  <a:srgbClr val="FFFF00"/>
-                </a:highlight>
-                <a:latin typeface="Arial Black" panose="020B0A04020102020204" pitchFamily="34" charset="0"/>
-                <a:cs typeface="Aharoni" panose="020B0604020202020204" pitchFamily="2" charset="-79"/>
-              </a:rPr>
-              <a:t>History</a:t>
-            </a:r>
-          </a:p>
-        </p:txBody>
-      </p:sp>
-      <p:pic>
-        <p:nvPicPr>
-          <p:cNvPr id="6" name="Content Placeholder 3" descr="A screenshot of a cell phone&#10;&#10;Description automatically generated">
-            <a:extLst>
-              <a:ext uri="{FF2B5EF4-FFF2-40B4-BE49-F238E27FC236}">
-                <a16:creationId xmlns:a16="http://schemas.microsoft.com/office/drawing/2014/main" id="{456C07C4-281A-4232-8B11-8749685BE02B}"/>
-              </a:ext>
-            </a:extLst>
-          </p:cNvPr>
-          <p:cNvPicPr>
-            <a:picLocks noChangeAspect="1"/>
-          </p:cNvPicPr>
-          <p:nvPr/>
-        </p:nvPicPr>
-        <p:blipFill rotWithShape="1">
-          <a:blip r:embed="rId2">
-            <a:extLst>
-              <a:ext uri="{28A0092B-C50C-407E-A947-70E740481C1C}">
-                <a14:useLocalDpi xmlns:a14="http://schemas.microsoft.com/office/drawing/2010/main" val="0"/>
-              </a:ext>
-            </a:extLst>
-          </a:blip>
-          <a:srcRect r="-2" b="6871"/>
-          <a:stretch/>
-        </p:blipFill>
-        <p:spPr>
-          <a:xfrm>
-            <a:off x="6964043" y="1350626"/>
-            <a:ext cx="4200486" cy="3813995"/>
+            <a:off x="7354529" y="5519021"/>
+            <a:ext cx="4200486" cy="1086114"/>
           </a:xfrm>
           <a:prstGeom prst="rect">
             <a:avLst/>
           </a:prstGeom>
-          <a:effectLst/>
-        </p:spPr>
-      </p:pic>
-      <p:sp>
-        <p:nvSpPr>
-          <p:cNvPr id="3" name="Content Placeholder 2">
-            <a:extLst>
-              <a:ext uri="{FF2B5EF4-FFF2-40B4-BE49-F238E27FC236}">
-                <a16:creationId xmlns:a16="http://schemas.microsoft.com/office/drawing/2014/main" id="{5F0CF13F-E518-43EF-8499-752C6977D65A}"/>
-              </a:ext>
-            </a:extLst>
-          </p:cNvPr>
-          <p:cNvSpPr>
-            <a:spLocks noGrp="1"/>
-          </p:cNvSpPr>
-          <p:nvPr>
-            <p:ph idx="1"/>
-          </p:nvPr>
-        </p:nvSpPr>
-        <p:spPr>
-          <a:xfrm>
-            <a:off x="648929" y="2637388"/>
-            <a:ext cx="10515600" cy="4351338"/>
-          </a:xfrm>
-        </p:spPr>
-        <p:txBody>
-          <a:bodyPr/>
-          <a:lstStyle/>
+        </p:spPr>
+        <p:txBody>
+          <a:bodyPr vert="horz" lIns="91440" tIns="45720" rIns="91440" bIns="45720" rtlCol="0">
+            <a:normAutofit/>
+          </a:bodyPr>
+          <a:lstStyle>
+            <a:lvl1pPr marL="228600" indent="-228600" algn="l" defTabSz="914400" rtl="0" eaLnBrk="1" latinLnBrk="0" hangingPunct="1">
+              <a:lnSpc>
+                <a:spcPct val="90000"/>
+              </a:lnSpc>
+              <a:spcBef>
+                <a:spcPts val="1000"/>
+              </a:spcBef>
+              <a:buFont typeface="Arial" panose="020B0604020202020204" pitchFamily="34" charset="0"/>
+              <a:buChar char="•"/>
+              <a:defRPr sz="2800" kern="1200">
+                <a:solidFill>
+                  <a:schemeClr val="tx1"/>
+                </a:solidFill>
+                <a:latin typeface="+mn-lt"/>
+                <a:ea typeface="+mn-ea"/>
+                <a:cs typeface="+mn-cs"/>
+              </a:defRPr>
+            </a:lvl1pPr>
+            <a:lvl2pPr marL="685800" indent="-228600" algn="l" defTabSz="914400" rtl="0" eaLnBrk="1" latinLnBrk="0" hangingPunct="1">
+              <a:lnSpc>
+                <a:spcPct val="90000"/>
+              </a:lnSpc>
+              <a:spcBef>
+                <a:spcPts val="500"/>
+              </a:spcBef>
+              <a:buFont typeface="Arial" panose="020B0604020202020204" pitchFamily="34" charset="0"/>
+              <a:buChar char="•"/>
+              <a:defRPr sz="2400" kern="1200">
+                <a:solidFill>
+                  <a:schemeClr val="tx1"/>
+                </a:solidFill>
+                <a:latin typeface="+mn-lt"/>
+                <a:ea typeface="+mn-ea"/>
+                <a:cs typeface="+mn-cs"/>
+              </a:defRPr>
+            </a:lvl2pPr>
+            <a:lvl3pPr marL="1143000" indent="-228600" algn="l" defTabSz="914400" rtl="0" eaLnBrk="1" latinLnBrk="0" hangingPunct="1">
+              <a:lnSpc>
+                <a:spcPct val="90000"/>
+              </a:lnSpc>
+              <a:spcBef>
+                <a:spcPts val="500"/>
+              </a:spcBef>
+              <a:buFont typeface="Arial" panose="020B0604020202020204" pitchFamily="34" charset="0"/>
+              <a:buChar char="•"/>
+              <a:defRPr sz="2000" kern="1200">
+                <a:solidFill>
+                  <a:schemeClr val="tx1"/>
+                </a:solidFill>
+                <a:latin typeface="+mn-lt"/>
+                <a:ea typeface="+mn-ea"/>
+                <a:cs typeface="+mn-cs"/>
+              </a:defRPr>
+            </a:lvl3pPr>
+            <a:lvl4pPr marL="1600200" indent="-228600" algn="l" defTabSz="914400" rtl="0" eaLnBrk="1" latinLnBrk="0" hangingPunct="1">
+              <a:lnSpc>
+                <a:spcPct val="90000"/>
+              </a:lnSpc>
+              <a:spcBef>
+                <a:spcPts val="500"/>
+              </a:spcBef>
+              <a:buFont typeface="Arial" panose="020B0604020202020204" pitchFamily="34" charset="0"/>
+              <a:buChar char="•"/>
+              <a:defRPr sz="1800" kern="1200">
+                <a:solidFill>
+                  <a:schemeClr val="tx1"/>
+                </a:solidFill>
+                <a:latin typeface="+mn-lt"/>
+                <a:ea typeface="+mn-ea"/>
+                <a:cs typeface="+mn-cs"/>
+              </a:defRPr>
+            </a:lvl4pPr>
+            <a:lvl5pPr marL="2057400" indent="-228600" algn="l" defTabSz="914400" rtl="0" eaLnBrk="1" latinLnBrk="0" hangingPunct="1">
+              <a:lnSpc>
+                <a:spcPct val="90000"/>
+              </a:lnSpc>
+              <a:spcBef>
+                <a:spcPts val="500"/>
+              </a:spcBef>
+              <a:buFont typeface="Arial" panose="020B0604020202020204" pitchFamily="34" charset="0"/>
+              <a:buChar char="•"/>
+              <a:defRPr sz="1800" kern="1200">
+                <a:solidFill>
+                  <a:schemeClr val="tx1"/>
+                </a:solidFill>
+                <a:latin typeface="+mn-lt"/>
+                <a:ea typeface="+mn-ea"/>
+                <a:cs typeface="+mn-cs"/>
+              </a:defRPr>
+            </a:lvl5pPr>
+            <a:lvl6pPr marL="2514600" indent="-228600" algn="l" defTabSz="914400" rtl="0" eaLnBrk="1" latinLnBrk="0" hangingPunct="1">
+              <a:lnSpc>
+                <a:spcPct val="90000"/>
+              </a:lnSpc>
+              <a:spcBef>
+                <a:spcPts val="500"/>
+              </a:spcBef>
+              <a:buFont typeface="Arial" panose="020B0604020202020204" pitchFamily="34" charset="0"/>
+              <a:buChar char="•"/>
+              <a:defRPr sz="1800" kern="1200">
+                <a:solidFill>
+                  <a:schemeClr val="tx1"/>
+                </a:solidFill>
+                <a:latin typeface="+mn-lt"/>
+                <a:ea typeface="+mn-ea"/>
+                <a:cs typeface="+mn-cs"/>
+              </a:defRPr>
+            </a:lvl6pPr>
+            <a:lvl7pPr marL="2971800" indent="-228600" algn="l" defTabSz="914400" rtl="0" eaLnBrk="1" latinLnBrk="0" hangingPunct="1">
+              <a:lnSpc>
+                <a:spcPct val="90000"/>
+              </a:lnSpc>
+              <a:spcBef>
+                <a:spcPts val="500"/>
+              </a:spcBef>
+              <a:buFont typeface="Arial" panose="020B0604020202020204" pitchFamily="34" charset="0"/>
+              <a:buChar char="•"/>
+              <a:defRPr sz="1800" kern="1200">
+                <a:solidFill>
+                  <a:schemeClr val="tx1"/>
+                </a:solidFill>
+                <a:latin typeface="+mn-lt"/>
+                <a:ea typeface="+mn-ea"/>
+                <a:cs typeface="+mn-cs"/>
+              </a:defRPr>
+            </a:lvl7pPr>
+            <a:lvl8pPr marL="3429000" indent="-228600" algn="l" defTabSz="914400" rtl="0" eaLnBrk="1" latinLnBrk="0" hangingPunct="1">
+              <a:lnSpc>
+                <a:spcPct val="90000"/>
+              </a:lnSpc>
+              <a:spcBef>
+                <a:spcPts val="500"/>
+              </a:spcBef>
+              <a:buFont typeface="Arial" panose="020B0604020202020204" pitchFamily="34" charset="0"/>
+              <a:buChar char="•"/>
+              <a:defRPr sz="1800" kern="1200">
+                <a:solidFill>
+                  <a:schemeClr val="tx1"/>
+                </a:solidFill>
+                <a:latin typeface="+mn-lt"/>
+                <a:ea typeface="+mn-ea"/>
+                <a:cs typeface="+mn-cs"/>
+              </a:defRPr>
+            </a:lvl8pPr>
+            <a:lvl9pPr marL="3886200" indent="-228600" algn="l" defTabSz="914400" rtl="0" eaLnBrk="1" latinLnBrk="0" hangingPunct="1">
+              <a:lnSpc>
+                <a:spcPct val="90000"/>
+              </a:lnSpc>
+              <a:spcBef>
+                <a:spcPts val="500"/>
+              </a:spcBef>
+              <a:buFont typeface="Arial" panose="020B0604020202020204" pitchFamily="34" charset="0"/>
+              <a:buChar char="•"/>
+              <a:defRPr sz="1800" kern="1200">
+                <a:solidFill>
+                  <a:schemeClr val="tx1"/>
+                </a:solidFill>
+                <a:latin typeface="+mn-lt"/>
+                <a:ea typeface="+mn-ea"/>
+                <a:cs typeface="+mn-cs"/>
+              </a:defRPr>
+            </a:lvl9pPr>
+          </a:lstStyle>
           <a:p>
             <a:r>
               <a:rPr lang="en-US" dirty="0">
@@ -6792,10 +6882,14 @@
                   </a:schemeClr>
                 </a:solidFill>
               </a:rPr>
-              <a:t>Existence and availability of internet</a:t>
-            </a:r>
-          </a:p>
-          <a:p>
+              <a:t>Need:</a:t>
+            </a:r>
+          </a:p>
+          <a:p>
+            <a:pPr marL="457200" lvl="1" indent="0">
+              <a:buFont typeface="Arial" panose="020B0604020202020204" pitchFamily="34" charset="0"/>
+              <a:buNone/>
+            </a:pPr>
             <a:r>
               <a:rPr lang="en-US" dirty="0">
                 <a:solidFill>
@@ -6804,47 +6898,12 @@
                   </a:schemeClr>
                 </a:solidFill>
               </a:rPr>
-              <a:t>Increase of amount of data</a:t>
-            </a:r>
-          </a:p>
-          <a:p>
-            <a:endParaRPr lang="en-US" dirty="0">
-              <a:solidFill>
-                <a:schemeClr val="tx2">
-                  <a:lumMod val="75000"/>
-                </a:schemeClr>
-              </a:solidFill>
-            </a:endParaRPr>
-          </a:p>
-          <a:p>
-            <a:r>
-              <a:rPr lang="en-US" dirty="0">
-                <a:solidFill>
-                  <a:schemeClr val="tx2">
-                    <a:lumMod val="75000"/>
-                  </a:schemeClr>
-                </a:solidFill>
-              </a:rPr>
-              <a:t>Need:</a:t>
-            </a:r>
-          </a:p>
-          <a:p>
-            <a:pPr marL="457200" lvl="1" indent="0">
-              <a:buNone/>
-            </a:pPr>
-            <a:r>
-              <a:rPr lang="en-US" dirty="0">
-                <a:solidFill>
-                  <a:schemeClr val="tx2">
-                    <a:lumMod val="75000"/>
-                  </a:schemeClr>
-                </a:solidFill>
-              </a:rPr>
               <a:t>Important data  	 time</a:t>
             </a:r>
           </a:p>
           <a:p>
             <a:pPr marL="0" indent="0">
+              <a:buFont typeface="Arial" panose="020B0604020202020204" pitchFamily="34" charset="0"/>
               <a:buNone/>
             </a:pPr>
             <a:endParaRPr lang="en-US" dirty="0">
@@ -6868,6 +6927,188 @@
       </p:sp>
       <p:sp>
         <p:nvSpPr>
+          <p:cNvPr id="2" name="Title 1">
+            <a:extLst>
+              <a:ext uri="{FF2B5EF4-FFF2-40B4-BE49-F238E27FC236}">
+                <a16:creationId xmlns:a16="http://schemas.microsoft.com/office/drawing/2014/main" id="{C4A394F7-2B73-418C-A0AB-5FCA96EC5615}"/>
+              </a:ext>
+            </a:extLst>
+          </p:cNvPr>
+          <p:cNvSpPr>
+            <a:spLocks noGrp="1"/>
+          </p:cNvSpPr>
+          <p:nvPr>
+            <p:ph type="title"/>
+          </p:nvPr>
+        </p:nvSpPr>
+        <p:spPr>
+          <a:xfrm>
+            <a:off x="648929" y="746712"/>
+            <a:ext cx="3651467" cy="1676603"/>
+          </a:xfrm>
+        </p:spPr>
+        <p:txBody>
+          <a:bodyPr>
+            <a:normAutofit/>
+          </a:bodyPr>
+          <a:lstStyle/>
+          <a:p>
+            <a:r>
+              <a:rPr lang="en-US" dirty="0">
+                <a:solidFill>
+                  <a:schemeClr val="tx2">
+                    <a:lumMod val="75000"/>
+                  </a:schemeClr>
+                </a:solidFill>
+                <a:latin typeface="Arial Black" panose="020B0A04020102020204" pitchFamily="34" charset="0"/>
+                <a:cs typeface="Aharoni" panose="020B0604020202020204" pitchFamily="2" charset="-79"/>
+              </a:rPr>
+              <a:t>History</a:t>
+            </a:r>
+          </a:p>
+        </p:txBody>
+      </p:sp>
+      <p:pic>
+        <p:nvPicPr>
+          <p:cNvPr id="6" name="Content Placeholder 3" descr="A screenshot of a cell phone&#10;&#10;Description automatically generated">
+            <a:extLst>
+              <a:ext uri="{FF2B5EF4-FFF2-40B4-BE49-F238E27FC236}">
+                <a16:creationId xmlns:a16="http://schemas.microsoft.com/office/drawing/2014/main" id="{456C07C4-281A-4232-8B11-8749685BE02B}"/>
+              </a:ext>
+            </a:extLst>
+          </p:cNvPr>
+          <p:cNvPicPr>
+            <a:picLocks noChangeAspect="1"/>
+          </p:cNvPicPr>
+          <p:nvPr/>
+        </p:nvPicPr>
+        <p:blipFill rotWithShape="1">
+          <a:blip r:embed="rId2">
+            <a:extLst>
+              <a:ext uri="{28A0092B-C50C-407E-A947-70E740481C1C}">
+                <a14:useLocalDpi xmlns:a14="http://schemas.microsoft.com/office/drawing/2010/main" val="0"/>
+              </a:ext>
+            </a:extLst>
+          </a:blip>
+          <a:srcRect r="-2" b="6871"/>
+          <a:stretch/>
+        </p:blipFill>
+        <p:spPr>
+          <a:xfrm>
+            <a:off x="7354529" y="1207802"/>
+            <a:ext cx="4200486" cy="3813995"/>
+          </a:xfrm>
+          <a:prstGeom prst="rect">
+            <a:avLst/>
+          </a:prstGeom>
+          <a:effectLst/>
+        </p:spPr>
+      </p:pic>
+      <p:sp>
+        <p:nvSpPr>
+          <p:cNvPr id="3" name="Content Placeholder 2">
+            <a:extLst>
+              <a:ext uri="{FF2B5EF4-FFF2-40B4-BE49-F238E27FC236}">
+                <a16:creationId xmlns:a16="http://schemas.microsoft.com/office/drawing/2014/main" id="{5F0CF13F-E518-43EF-8499-752C6977D65A}"/>
+              </a:ext>
+            </a:extLst>
+          </p:cNvPr>
+          <p:cNvSpPr>
+            <a:spLocks noGrp="1"/>
+          </p:cNvSpPr>
+          <p:nvPr>
+            <p:ph idx="1"/>
+          </p:nvPr>
+        </p:nvSpPr>
+        <p:spPr>
+          <a:xfrm>
+            <a:off x="648929" y="2637388"/>
+            <a:ext cx="10515600" cy="2384409"/>
+          </a:xfrm>
+        </p:spPr>
+        <p:txBody>
+          <a:bodyPr>
+            <a:normAutofit/>
+          </a:bodyPr>
+          <a:lstStyle/>
+          <a:p>
+            <a:r>
+              <a:rPr lang="en-GB" dirty="0">
+                <a:solidFill>
+                  <a:schemeClr val="tx2">
+                    <a:lumMod val="75000"/>
+                  </a:schemeClr>
+                </a:solidFill>
+              </a:rPr>
+              <a:t>Initially pioneered by Hans Peter </a:t>
+            </a:r>
+            <a:r>
+              <a:rPr lang="en-GB" dirty="0" err="1">
+                <a:solidFill>
+                  <a:schemeClr val="tx2">
+                    <a:lumMod val="75000"/>
+                  </a:schemeClr>
+                </a:solidFill>
+              </a:rPr>
+              <a:t>Luhn</a:t>
+            </a:r>
+            <a:r>
+              <a:rPr lang="en-GB" dirty="0">
+                <a:solidFill>
+                  <a:schemeClr val="tx2">
+                    <a:lumMod val="75000"/>
+                  </a:schemeClr>
+                </a:solidFill>
+              </a:rPr>
+              <a:t> in                                                  1950 at IBM.</a:t>
+            </a:r>
+          </a:p>
+          <a:p>
+            <a:r>
+              <a:rPr lang="en-US" dirty="0">
+                <a:solidFill>
+                  <a:schemeClr val="tx2">
+                    <a:lumMod val="75000"/>
+                  </a:schemeClr>
+                </a:solidFill>
+              </a:rPr>
+              <a:t>Existence and availability of internet</a:t>
+            </a:r>
+          </a:p>
+          <a:p>
+            <a:r>
+              <a:rPr lang="en-US" dirty="0">
+                <a:solidFill>
+                  <a:schemeClr val="tx2">
+                    <a:lumMod val="75000"/>
+                  </a:schemeClr>
+                </a:solidFill>
+              </a:rPr>
+              <a:t>Increase of amount of data</a:t>
+            </a:r>
+          </a:p>
+          <a:p>
+            <a:endParaRPr lang="en-US" dirty="0">
+              <a:solidFill>
+                <a:schemeClr val="tx2">
+                  <a:lumMod val="75000"/>
+                </a:schemeClr>
+              </a:solidFill>
+            </a:endParaRPr>
+          </a:p>
+          <a:p>
+            <a:endParaRPr lang="en-US" dirty="0">
+              <a:solidFill>
+                <a:schemeClr val="tx2">
+                  <a:lumMod val="75000"/>
+                </a:schemeClr>
+              </a:solidFill>
+            </a:endParaRPr>
+          </a:p>
+        </p:txBody>
+      </p:sp>
+      <p:sp>
+        <p:nvSpPr>
           <p:cNvPr id="5" name="Arrow: Down 4">
             <a:extLst>
               <a:ext uri="{FF2B5EF4-FFF2-40B4-BE49-F238E27FC236}">
@@ -6880,7 +7121,7 @@
         </p:nvSpPr>
         <p:spPr>
           <a:xfrm rot="10800000">
-            <a:off x="877708" y="4621517"/>
+            <a:off x="7583308" y="5966380"/>
             <a:ext cx="232413" cy="400280"/>
           </a:xfrm>
           <a:prstGeom prst="downArrow">
@@ -6926,7 +7167,7 @@
         </p:nvSpPr>
         <p:spPr>
           <a:xfrm>
-            <a:off x="3223159" y="4621517"/>
+            <a:off x="9928759" y="5966380"/>
             <a:ext cx="232413" cy="400280"/>
           </a:xfrm>
           <a:prstGeom prst="downArrow">
@@ -7062,7 +7303,9 @@
           </a:xfrm>
         </p:spPr>
         <p:txBody>
-          <a:bodyPr/>
+          <a:bodyPr>
+            <a:normAutofit fontScale="85000" lnSpcReduction="20000"/>
+          </a:bodyPr>
           <a:lstStyle/>
           <a:p>
             <a:r>
@@ -7087,6 +7330,25 @@
               </a:rPr>
               <a:t>Sentences do not exist in original text</a:t>
             </a:r>
+          </a:p>
+          <a:p>
+            <a:r>
+              <a:rPr lang="en-GB" dirty="0">
+                <a:solidFill>
+                  <a:schemeClr val="tx2">
+                    <a:lumMod val="75000"/>
+                  </a:schemeClr>
+                </a:solidFill>
+              </a:rPr>
+              <a:t>More human readable than extractive text summaries.</a:t>
+            </a:r>
+            <a:endParaRPr lang="en-US" dirty="0">
+              <a:solidFill>
+                <a:schemeClr val="tx2">
+                  <a:lumMod val="75000"/>
+                </a:schemeClr>
+              </a:solidFill>
+            </a:endParaRPr>
           </a:p>
           <a:p>
             <a:endParaRPr lang="en-US" dirty="0">
@@ -7361,6 +7623,563 @@
     <p:extLst>
       <p:ext uri="{BB962C8B-B14F-4D97-AF65-F5344CB8AC3E}">
         <p14:creationId xmlns:p14="http://schemas.microsoft.com/office/powerpoint/2010/main" val="1649751485"/>
+      </p:ext>
+    </p:extLst>
+  </p:cSld>
+  <p:clrMapOvr>
+    <a:masterClrMapping/>
+  </p:clrMapOvr>
+</p:sld>
+</file>
+
+<file path=ppt/slides/slide21.xml><?xml version="1.0" encoding="utf-8"?>
+<p:sld xmlns:a="http://schemas.openxmlformats.org/drawingml/2006/main" xmlns:r="http://schemas.openxmlformats.org/officeDocument/2006/relationships" xmlns:p="http://schemas.openxmlformats.org/presentationml/2006/main">
+  <p:cSld>
+    <p:bg>
+      <p:bgPr>
+        <a:solidFill>
+          <a:schemeClr val="bg1"/>
+        </a:solidFill>
+        <a:effectLst/>
+      </p:bgPr>
+    </p:bg>
+    <p:spTree>
+      <p:nvGrpSpPr>
+        <p:cNvPr id="1" name=""/>
+        <p:cNvGrpSpPr/>
+        <p:nvPr/>
+      </p:nvGrpSpPr>
+      <p:grpSpPr>
+        <a:xfrm>
+          <a:off x="0" y="0"/>
+          <a:ext cx="0" cy="0"/>
+          <a:chOff x="0" y="0"/>
+          <a:chExt cx="0" cy="0"/>
+        </a:xfrm>
+      </p:grpSpPr>
+      <p:sp>
+        <p:nvSpPr>
+          <p:cNvPr id="9" name="Rectangle 8">
+            <a:extLst>
+              <a:ext uri="{FF2B5EF4-FFF2-40B4-BE49-F238E27FC236}">
+                <a16:creationId xmlns:a16="http://schemas.microsoft.com/office/drawing/2014/main" id="{AFA67CD3-AB4E-4A7A-BEB8-53C445D8C44E}"/>
+              </a:ext>
+              <a:ext uri="{C183D7F6-B498-43B3-948B-1728B52AA6E4}">
+                <adec:decorative xmlns:adec="http://schemas.microsoft.com/office/drawing/2017/decorative" val="1"/>
+              </a:ext>
+            </a:extLst>
+          </p:cNvPr>
+          <p:cNvSpPr>
+            <a:spLocks noGrp="1" noRot="1" noChangeAspect="1" noMove="1" noResize="1" noEditPoints="1" noAdjustHandles="1" noChangeArrowheads="1" noChangeShapeType="1" noTextEdit="1"/>
+          </p:cNvSpPr>
+          <p:nvPr>
+            <p:extLst>
+              <p:ext uri="{386F3935-93C4-4BCD-93E2-E3B085C9AB24}">
+                <p16:designElem xmlns:p16="http://schemas.microsoft.com/office/powerpoint/2015/main" val="1"/>
+              </p:ext>
+            </p:extLst>
+          </p:nvPr>
+        </p:nvSpPr>
+        <p:spPr>
+          <a:xfrm>
+            <a:off x="6577125" y="3726"/>
+            <a:ext cx="5614875" cy="6858000"/>
+          </a:xfrm>
+          <a:prstGeom prst="rect">
+            <a:avLst/>
+          </a:prstGeom>
+          <a:gradFill>
+            <a:gsLst>
+              <a:gs pos="0">
+                <a:schemeClr val="accent1">
+                  <a:lumMod val="100000"/>
+                  <a:alpha val="82000"/>
+                </a:schemeClr>
+              </a:gs>
+              <a:gs pos="25000">
+                <a:schemeClr val="accent1">
+                  <a:alpha val="60000"/>
+                </a:schemeClr>
+              </a:gs>
+              <a:gs pos="94000">
+                <a:schemeClr val="bg2">
+                  <a:lumMod val="75000"/>
+                </a:schemeClr>
+              </a:gs>
+              <a:gs pos="100000">
+                <a:schemeClr val="bg2">
+                  <a:lumMod val="75000"/>
+                </a:schemeClr>
+              </a:gs>
+            </a:gsLst>
+            <a:lin ang="4200000" scaled="0"/>
+          </a:gradFill>
+          <a:ln>
+            <a:noFill/>
+          </a:ln>
+        </p:spPr>
+        <p:style>
+          <a:lnRef idx="2">
+            <a:schemeClr val="accent1">
+              <a:shade val="50000"/>
+            </a:schemeClr>
+          </a:lnRef>
+          <a:fillRef idx="1">
+            <a:schemeClr val="accent1"/>
+          </a:fillRef>
+          <a:effectRef idx="0">
+            <a:schemeClr val="accent1"/>
+          </a:effectRef>
+          <a:fontRef idx="minor">
+            <a:schemeClr val="lt1"/>
+          </a:fontRef>
+        </p:style>
+        <p:txBody>
+          <a:bodyPr rtlCol="0" anchor="ctr"/>
+          <a:lstStyle/>
+          <a:p>
+            <a:pPr algn="ctr"/>
+            <a:endParaRPr lang="en-US"/>
+          </a:p>
+        </p:txBody>
+      </p:sp>
+      <p:pic>
+        <p:nvPicPr>
+          <p:cNvPr id="11" name="Picture 10">
+            <a:extLst>
+              <a:ext uri="{FF2B5EF4-FFF2-40B4-BE49-F238E27FC236}">
+                <a16:creationId xmlns:a16="http://schemas.microsoft.com/office/drawing/2014/main" id="{07CF545F-9C2E-4446-97CD-AD92990C2B68}"/>
+              </a:ext>
+              <a:ext uri="{C183D7F6-B498-43B3-948B-1728B52AA6E4}">
+                <adec:decorative xmlns:adec="http://schemas.microsoft.com/office/drawing/2017/decorative" val="1"/>
+              </a:ext>
+            </a:extLst>
+          </p:cNvPr>
+          <p:cNvPicPr>
+            <a:picLocks noGrp="1" noRot="1" noChangeAspect="1" noMove="1" noResize="1" noEditPoints="1" noAdjustHandles="1" noChangeArrowheads="1" noChangeShapeType="1" noCrop="1"/>
+          </p:cNvPicPr>
+          <p:nvPr>
+            <p:extLst>
+              <p:ext uri="{386F3935-93C4-4BCD-93E2-E3B085C9AB24}">
+                <p16:designElem xmlns:p16="http://schemas.microsoft.com/office/powerpoint/2015/main" val="1"/>
+              </p:ext>
+            </p:extLst>
+          </p:nvPr>
+        </p:nvPicPr>
+        <p:blipFill>
+          <a:blip r:embed="rId2">
+            <a:extLst>
+              <a:ext uri="{28A0092B-C50C-407E-A947-70E740481C1C}">
+                <a14:useLocalDpi xmlns:a14="http://schemas.microsoft.com/office/drawing/2010/main" val="0"/>
+              </a:ext>
+            </a:extLst>
+          </a:blip>
+          <a:stretch>
+            <a:fillRect/>
+          </a:stretch>
+        </p:blipFill>
+        <p:spPr>
+          <a:xfrm flipH="1">
+            <a:off x="0" y="0"/>
+            <a:ext cx="12192000" cy="6858000"/>
+          </a:xfrm>
+          <a:prstGeom prst="rect">
+            <a:avLst/>
+          </a:prstGeom>
+        </p:spPr>
+      </p:pic>
+      <p:sp>
+        <p:nvSpPr>
+          <p:cNvPr id="2" name="Title 1">
+            <a:extLst>
+              <a:ext uri="{FF2B5EF4-FFF2-40B4-BE49-F238E27FC236}">
+                <a16:creationId xmlns:a16="http://schemas.microsoft.com/office/drawing/2014/main" id="{C4A394F7-2B73-418C-A0AB-5FCA96EC5615}"/>
+              </a:ext>
+            </a:extLst>
+          </p:cNvPr>
+          <p:cNvSpPr>
+            <a:spLocks noGrp="1"/>
+          </p:cNvSpPr>
+          <p:nvPr>
+            <p:ph type="title"/>
+          </p:nvPr>
+        </p:nvSpPr>
+        <p:spPr>
+          <a:xfrm>
+            <a:off x="801339" y="802955"/>
+            <a:ext cx="6739631" cy="1454051"/>
+          </a:xfrm>
+        </p:spPr>
+        <p:txBody>
+          <a:bodyPr>
+            <a:normAutofit/>
+          </a:bodyPr>
+          <a:lstStyle/>
+          <a:p>
+            <a:r>
+              <a:rPr lang="en-US" sz="3200" dirty="0">
+                <a:solidFill>
+                  <a:schemeClr val="tx2">
+                    <a:lumMod val="75000"/>
+                  </a:schemeClr>
+                </a:solidFill>
+                <a:latin typeface="Arial Black" panose="020B0A04020102020204" pitchFamily="34" charset="0"/>
+                <a:cs typeface="Aharoni" panose="020B0604020202020204" pitchFamily="2" charset="-79"/>
+              </a:rPr>
+              <a:t>Abstractive (How it is done?)</a:t>
+            </a:r>
+          </a:p>
+        </p:txBody>
+      </p:sp>
+      <p:sp>
+        <p:nvSpPr>
+          <p:cNvPr id="3" name="Content Placeholder 2">
+            <a:extLst>
+              <a:ext uri="{FF2B5EF4-FFF2-40B4-BE49-F238E27FC236}">
+                <a16:creationId xmlns:a16="http://schemas.microsoft.com/office/drawing/2014/main" id="{5F0CF13F-E518-43EF-8499-752C6977D65A}"/>
+              </a:ext>
+            </a:extLst>
+          </p:cNvPr>
+          <p:cNvSpPr>
+            <a:spLocks noGrp="1"/>
+          </p:cNvSpPr>
+          <p:nvPr>
+            <p:ph idx="1"/>
+          </p:nvPr>
+        </p:nvSpPr>
+        <p:spPr>
+          <a:xfrm>
+            <a:off x="801340" y="2195180"/>
+            <a:ext cx="6123109" cy="4242942"/>
+          </a:xfrm>
+        </p:spPr>
+        <p:txBody>
+          <a:bodyPr anchor="ctr">
+            <a:normAutofit/>
+          </a:bodyPr>
+          <a:lstStyle/>
+          <a:p>
+            <a:pPr marL="0" indent="0">
+              <a:buNone/>
+            </a:pPr>
+            <a:r>
+              <a:rPr lang="en-US" sz="2400" dirty="0">
+                <a:solidFill>
+                  <a:schemeClr val="tx2">
+                    <a:lumMod val="75000"/>
+                  </a:schemeClr>
+                </a:solidFill>
+              </a:rPr>
+              <a:t>It is done in 3 phases:</a:t>
+            </a:r>
+          </a:p>
+          <a:p>
+            <a:pPr marL="0" indent="0">
+              <a:buNone/>
+            </a:pPr>
+            <a:endParaRPr lang="en-US" sz="2400" dirty="0">
+              <a:solidFill>
+                <a:schemeClr val="tx2">
+                  <a:lumMod val="75000"/>
+                </a:schemeClr>
+              </a:solidFill>
+            </a:endParaRPr>
+          </a:p>
+          <a:p>
+            <a:pPr marL="514350" indent="-514350">
+              <a:buFont typeface="+mj-lt"/>
+              <a:buAutoNum type="arabicPeriod"/>
+            </a:pPr>
+            <a:r>
+              <a:rPr lang="en-GB" sz="2400" dirty="0">
+                <a:solidFill>
+                  <a:schemeClr val="tx2">
+                    <a:lumMod val="75000"/>
+                  </a:schemeClr>
+                </a:solidFill>
+              </a:rPr>
+              <a:t>Creates a Semantic/Structured representation of the text </a:t>
+            </a:r>
+            <a:r>
+              <a:rPr lang="en-US" sz="2400" dirty="0">
+                <a:solidFill>
+                  <a:schemeClr val="tx2">
+                    <a:lumMod val="75000"/>
+                  </a:schemeClr>
+                </a:solidFill>
+              </a:rPr>
+              <a:t>(Preprocessing) </a:t>
+            </a:r>
+          </a:p>
+          <a:p>
+            <a:pPr marL="514350" indent="-514350">
+              <a:buFont typeface="+mj-lt"/>
+              <a:buAutoNum type="arabicPeriod"/>
+            </a:pPr>
+            <a:r>
+              <a:rPr lang="en-US" sz="2400" dirty="0">
+                <a:solidFill>
+                  <a:schemeClr val="tx2">
+                    <a:lumMod val="75000"/>
+                  </a:schemeClr>
+                </a:solidFill>
+              </a:rPr>
+              <a:t>Score sentences in built representation</a:t>
+            </a:r>
+          </a:p>
+          <a:p>
+            <a:pPr marL="514350" indent="-514350">
+              <a:buFont typeface="+mj-lt"/>
+              <a:buAutoNum type="arabicPeriod"/>
+            </a:pPr>
+            <a:r>
+              <a:rPr lang="en-US" sz="2400" dirty="0">
+                <a:solidFill>
+                  <a:schemeClr val="tx2">
+                    <a:lumMod val="75000"/>
+                  </a:schemeClr>
+                </a:solidFill>
+              </a:rPr>
+              <a:t>Select k most important sentences to be our summary</a:t>
+            </a:r>
+          </a:p>
+          <a:p>
+            <a:endParaRPr lang="en-US" sz="1800" dirty="0">
+              <a:solidFill>
+                <a:srgbClr val="000000"/>
+              </a:solidFill>
+            </a:endParaRPr>
+          </a:p>
+          <a:p>
+            <a:pPr marL="0" indent="0">
+              <a:buNone/>
+            </a:pPr>
+            <a:endParaRPr lang="en-US" sz="1800" dirty="0">
+              <a:solidFill>
+                <a:srgbClr val="000000"/>
+              </a:solidFill>
+            </a:endParaRPr>
+          </a:p>
+          <a:p>
+            <a:endParaRPr lang="en-US" sz="1800" dirty="0">
+              <a:solidFill>
+                <a:srgbClr val="000000"/>
+              </a:solidFill>
+            </a:endParaRPr>
+          </a:p>
+        </p:txBody>
+      </p:sp>
+      <p:sp>
+        <p:nvSpPr>
+          <p:cNvPr id="13" name="Freeform 62">
+            <a:extLst>
+              <a:ext uri="{FF2B5EF4-FFF2-40B4-BE49-F238E27FC236}">
+                <a16:creationId xmlns:a16="http://schemas.microsoft.com/office/drawing/2014/main" id="{339C8D78-A644-462F-B674-F440635E5353}"/>
+              </a:ext>
+              <a:ext uri="{C183D7F6-B498-43B3-948B-1728B52AA6E4}">
+                <adec:decorative xmlns:adec="http://schemas.microsoft.com/office/drawing/2017/decorative" val="1"/>
+              </a:ext>
+            </a:extLst>
+          </p:cNvPr>
+          <p:cNvSpPr>
+            <a:spLocks noGrp="1" noRot="1" noChangeAspect="1" noMove="1" noResize="1" noEditPoints="1" noAdjustHandles="1" noChangeArrowheads="1" noChangeShapeType="1" noTextEdit="1"/>
+          </p:cNvSpPr>
+          <p:nvPr>
+            <p:extLst>
+              <p:ext uri="{386F3935-93C4-4BCD-93E2-E3B085C9AB24}">
+                <p16:designElem xmlns:p16="http://schemas.microsoft.com/office/powerpoint/2015/main" val="1"/>
+              </p:ext>
+            </p:extLst>
+          </p:nvPr>
+        </p:nvSpPr>
+        <p:spPr>
+          <a:xfrm flipH="1">
+            <a:off x="7191562" y="738619"/>
+            <a:ext cx="5000438" cy="5400962"/>
+          </a:xfrm>
+          <a:custGeom>
+            <a:avLst/>
+            <a:gdLst>
+              <a:gd name="connsiteX0" fmla="*/ 2299956 w 5000438"/>
+              <a:gd name="connsiteY0" fmla="*/ 0 h 5400962"/>
+              <a:gd name="connsiteX1" fmla="*/ 5000438 w 5000438"/>
+              <a:gd name="connsiteY1" fmla="*/ 2700481 h 5400962"/>
+              <a:gd name="connsiteX2" fmla="*/ 2299956 w 5000438"/>
+              <a:gd name="connsiteY2" fmla="*/ 5400962 h 5400962"/>
+              <a:gd name="connsiteX3" fmla="*/ 60675 w 5000438"/>
+              <a:gd name="connsiteY3" fmla="*/ 4210346 h 5400962"/>
+              <a:gd name="connsiteX4" fmla="*/ 0 w 5000438"/>
+              <a:gd name="connsiteY4" fmla="*/ 4110472 h 5400962"/>
+              <a:gd name="connsiteX5" fmla="*/ 0 w 5000438"/>
+              <a:gd name="connsiteY5" fmla="*/ 1290491 h 5400962"/>
+              <a:gd name="connsiteX6" fmla="*/ 60675 w 5000438"/>
+              <a:gd name="connsiteY6" fmla="*/ 1190617 h 5400962"/>
+              <a:gd name="connsiteX7" fmla="*/ 2299956 w 5000438"/>
+              <a:gd name="connsiteY7" fmla="*/ 0 h 5400962"/>
+            </a:gdLst>
+            <a:ahLst/>
+            <a:cxnLst>
+              <a:cxn ang="0">
+                <a:pos x="connsiteX0" y="connsiteY0"/>
+              </a:cxn>
+              <a:cxn ang="0">
+                <a:pos x="connsiteX1" y="connsiteY1"/>
+              </a:cxn>
+              <a:cxn ang="0">
+                <a:pos x="connsiteX2" y="connsiteY2"/>
+              </a:cxn>
+              <a:cxn ang="0">
+                <a:pos x="connsiteX3" y="connsiteY3"/>
+              </a:cxn>
+              <a:cxn ang="0">
+                <a:pos x="connsiteX4" y="connsiteY4"/>
+              </a:cxn>
+              <a:cxn ang="0">
+                <a:pos x="connsiteX5" y="connsiteY5"/>
+              </a:cxn>
+              <a:cxn ang="0">
+                <a:pos x="connsiteX6" y="connsiteY6"/>
+              </a:cxn>
+              <a:cxn ang="0">
+                <a:pos x="connsiteX7" y="connsiteY7"/>
+              </a:cxn>
+            </a:cxnLst>
+            <a:rect l="l" t="t" r="r" b="b"/>
+            <a:pathLst>
+              <a:path w="5000438" h="5400962">
+                <a:moveTo>
+                  <a:pt x="2299956" y="0"/>
+                </a:moveTo>
+                <a:cubicBezTo>
+                  <a:pt x="3791390" y="0"/>
+                  <a:pt x="5000438" y="1209047"/>
+                  <a:pt x="5000438" y="2700481"/>
+                </a:cubicBezTo>
+                <a:cubicBezTo>
+                  <a:pt x="5000438" y="4191915"/>
+                  <a:pt x="3791390" y="5400962"/>
+                  <a:pt x="2299956" y="5400962"/>
+                </a:cubicBezTo>
+                <a:cubicBezTo>
+                  <a:pt x="1367810" y="5400962"/>
+                  <a:pt x="545971" y="4928678"/>
+                  <a:pt x="60675" y="4210346"/>
+                </a:cubicBezTo>
+                <a:lnTo>
+                  <a:pt x="0" y="4110472"/>
+                </a:lnTo>
+                <a:lnTo>
+                  <a:pt x="0" y="1290491"/>
+                </a:lnTo>
+                <a:lnTo>
+                  <a:pt x="60675" y="1190617"/>
+                </a:lnTo>
+                <a:cubicBezTo>
+                  <a:pt x="545971" y="472284"/>
+                  <a:pt x="1367810" y="0"/>
+                  <a:pt x="2299956" y="0"/>
+                </a:cubicBezTo>
+                <a:close/>
+              </a:path>
+            </a:pathLst>
+          </a:custGeom>
+          <a:solidFill>
+            <a:srgbClr val="FFFFFF"/>
+          </a:solidFill>
+          <a:ln>
+            <a:gradFill>
+              <a:gsLst>
+                <a:gs pos="0">
+                  <a:schemeClr val="accent1">
+                    <a:lumMod val="40000"/>
+                    <a:lumOff val="60000"/>
+                  </a:schemeClr>
+                </a:gs>
+                <a:gs pos="23000">
+                  <a:schemeClr val="accent1">
+                    <a:lumMod val="45000"/>
+                    <a:lumOff val="55000"/>
+                  </a:schemeClr>
+                </a:gs>
+                <a:gs pos="83000">
+                  <a:schemeClr val="bg2">
+                    <a:lumMod val="85000"/>
+                  </a:schemeClr>
+                </a:gs>
+                <a:gs pos="100000">
+                  <a:schemeClr val="bg2">
+                    <a:lumMod val="85000"/>
+                  </a:schemeClr>
+                </a:gs>
+              </a:gsLst>
+              <a:lin ang="5400000" scaled="1"/>
+            </a:gradFill>
+          </a:ln>
+        </p:spPr>
+        <p:style>
+          <a:lnRef idx="2">
+            <a:schemeClr val="accent1">
+              <a:shade val="50000"/>
+            </a:schemeClr>
+          </a:lnRef>
+          <a:fillRef idx="1">
+            <a:schemeClr val="accent1"/>
+          </a:fillRef>
+          <a:effectRef idx="0">
+            <a:schemeClr val="accent1"/>
+          </a:effectRef>
+          <a:fontRef idx="minor">
+            <a:schemeClr val="lt1"/>
+          </a:fontRef>
+        </p:style>
+        <p:txBody>
+          <a:bodyPr wrap="square" rtlCol="0" anchor="ctr">
+            <a:noAutofit/>
+          </a:bodyPr>
+          <a:lstStyle/>
+          <a:p>
+            <a:pPr algn="ctr"/>
+            <a:endParaRPr lang="en-US"/>
+          </a:p>
+        </p:txBody>
+      </p:sp>
+      <p:pic>
+        <p:nvPicPr>
+          <p:cNvPr id="4" name="Picture 3">
+            <a:extLst>
+              <a:ext uri="{FF2B5EF4-FFF2-40B4-BE49-F238E27FC236}">
+                <a16:creationId xmlns:a16="http://schemas.microsoft.com/office/drawing/2014/main" id="{85088CCE-3835-400A-AD8D-D04449BBBC6E}"/>
+              </a:ext>
+            </a:extLst>
+          </p:cNvPr>
+          <p:cNvPicPr>
+            <a:picLocks noChangeAspect="1"/>
+          </p:cNvPicPr>
+          <p:nvPr/>
+        </p:nvPicPr>
+        <p:blipFill>
+          <a:blip r:embed="rId3">
+            <a:alphaModFix amt="45000"/>
+          </a:blip>
+          <a:stretch>
+            <a:fillRect/>
+          </a:stretch>
+        </p:blipFill>
+        <p:spPr>
+          <a:xfrm>
+            <a:off x="8573559" y="2024034"/>
+            <a:ext cx="2585853" cy="2618586"/>
+          </a:xfrm>
+          <a:prstGeom prst="rect">
+            <a:avLst/>
+          </a:prstGeom>
+          <a:effectLst/>
+        </p:spPr>
+      </p:pic>
+    </p:spTree>
+    <p:extLst>
+      <p:ext uri="{BB962C8B-B14F-4D97-AF65-F5344CB8AC3E}">
+        <p14:creationId xmlns:p14="http://schemas.microsoft.com/office/powerpoint/2010/main" val="1083381189"/>
       </p:ext>
     </p:extLst>
   </p:cSld>

--- a/CW2/Text Summarization.pptx
+++ b/CW2/Text Summarization.pptx
@@ -7870,7 +7870,7 @@
                   </a:schemeClr>
                 </a:solidFill>
               </a:rPr>
-              <a:t>It is done in 3 phases:</a:t>
+              <a:t>It follows an Encoder-Decoder Architecture</a:t>
             </a:r>
           </a:p>
           <a:p>
@@ -7908,7 +7908,7 @@
                   </a:schemeClr>
                 </a:solidFill>
               </a:rPr>
-              <a:t>(Preprocessing) </a:t>
+              <a:t>(Encoding) </a:t>
             </a:r>
           </a:p>
           <a:p>
@@ -7924,23 +7924,7 @@
                   </a:schemeClr>
                 </a:solidFill>
               </a:rPr>
-              <a:t>Score sentences in built representation</a:t>
-            </a:r>
-          </a:p>
-          <a:p>
-            <a:pPr marL="514350" indent="-514350">
-              <a:buFont typeface="+mj-lt"/>
-              <a:buAutoNum type="arabicPeriod"/>
-            </a:pPr>
-            <a:r>
-              <a:rPr lang="en-US" sz="2400" dirty="0">
-                <a:solidFill>
-                  <a:schemeClr val="tx2">
-                    <a:lumMod val="75000"/>
-                  </a:schemeClr>
-                </a:solidFill>
-              </a:rPr>
-              <a:t>Select k most important sentences to be our summary</a:t>
+              <a:t>Recreates the sentences from the Semantic/Structure representation (Decoding)</a:t>
             </a:r>
           </a:p>
           <a:p>
@@ -8145,10 +8129,10 @@
       </p:sp>
       <p:pic>
         <p:nvPicPr>
-          <p:cNvPr id="4" name="Picture 3">
-            <a:extLst>
-              <a:ext uri="{FF2B5EF4-FFF2-40B4-BE49-F238E27FC236}">
-                <a16:creationId xmlns:a16="http://schemas.microsoft.com/office/drawing/2014/main" id="{85088CCE-3835-400A-AD8D-D04449BBBC6E}"/>
+          <p:cNvPr id="5" name="Picture 4">
+            <a:extLst>
+              <a:ext uri="{FF2B5EF4-FFF2-40B4-BE49-F238E27FC236}">
+                <a16:creationId xmlns:a16="http://schemas.microsoft.com/office/drawing/2014/main" id="{C1DD1F93-6DBE-461C-AB41-714E372CD47A}"/>
               </a:ext>
             </a:extLst>
           </p:cNvPr>
@@ -8158,22 +8142,19 @@
           <p:nvPr/>
         </p:nvPicPr>
         <p:blipFill>
-          <a:blip r:embed="rId3">
-            <a:alphaModFix amt="45000"/>
-          </a:blip>
+          <a:blip r:embed="rId3"/>
           <a:stretch>
             <a:fillRect/>
           </a:stretch>
         </p:blipFill>
         <p:spPr>
           <a:xfrm>
-            <a:off x="8573559" y="2024034"/>
-            <a:ext cx="2585853" cy="2618586"/>
+            <a:off x="8613947" y="1381125"/>
+            <a:ext cx="2505075" cy="4095750"/>
           </a:xfrm>
           <a:prstGeom prst="rect">
             <a:avLst/>
           </a:prstGeom>
-          <a:effectLst/>
         </p:spPr>
       </p:pic>
     </p:spTree>

--- a/CW2/Text Summarization.pptx
+++ b/CW2/Text Summarization.pptx
@@ -26,6 +26,8 @@
     <p:sldId id="268" r:id="rId20"/>
     <p:sldId id="264" r:id="rId21"/>
     <p:sldId id="279" r:id="rId22"/>
+    <p:sldId id="280" r:id="rId23"/>
+    <p:sldId id="281" r:id="rId24"/>
   </p:sldIdLst>
   <p:sldSz cx="12192000" cy="6858000"/>
   <p:notesSz cx="6858000" cy="9144000"/>
@@ -8170,6 +8172,1588 @@
 </p:sld>
 </file>
 
+<file path=ppt/slides/slide22.xml><?xml version="1.0" encoding="utf-8"?>
+<p:sld xmlns:a="http://schemas.openxmlformats.org/drawingml/2006/main" xmlns:r="http://schemas.openxmlformats.org/officeDocument/2006/relationships" xmlns:p="http://schemas.openxmlformats.org/presentationml/2006/main">
+  <p:cSld>
+    <p:spTree>
+      <p:nvGrpSpPr>
+        <p:cNvPr id="1" name=""/>
+        <p:cNvGrpSpPr/>
+        <p:nvPr/>
+      </p:nvGrpSpPr>
+      <p:grpSpPr>
+        <a:xfrm>
+          <a:off x="0" y="0"/>
+          <a:ext cx="0" cy="0"/>
+          <a:chOff x="0" y="0"/>
+          <a:chExt cx="0" cy="0"/>
+        </a:xfrm>
+      </p:grpSpPr>
+      <p:sp>
+        <p:nvSpPr>
+          <p:cNvPr id="2" name="Title 1">
+            <a:extLst>
+              <a:ext uri="{FF2B5EF4-FFF2-40B4-BE49-F238E27FC236}">
+                <a16:creationId xmlns:a16="http://schemas.microsoft.com/office/drawing/2014/main" id="{C4A394F7-2B73-418C-A0AB-5FCA96EC5615}"/>
+              </a:ext>
+            </a:extLst>
+          </p:cNvPr>
+          <p:cNvSpPr>
+            <a:spLocks noGrp="1"/>
+          </p:cNvSpPr>
+          <p:nvPr>
+            <p:ph type="title"/>
+          </p:nvPr>
+        </p:nvSpPr>
+        <p:spPr>
+          <a:xfrm>
+            <a:off x="648929" y="746712"/>
+            <a:ext cx="7102499" cy="1676603"/>
+          </a:xfrm>
+        </p:spPr>
+        <p:txBody>
+          <a:bodyPr>
+            <a:normAutofit/>
+          </a:bodyPr>
+          <a:lstStyle/>
+          <a:p>
+            <a:r>
+              <a:rPr lang="en-US" sz="3600" dirty="0">
+                <a:solidFill>
+                  <a:schemeClr val="tx2">
+                    <a:lumMod val="75000"/>
+                  </a:schemeClr>
+                </a:solidFill>
+                <a:latin typeface="Arial Black" panose="020B0A04020102020204" pitchFamily="34" charset="0"/>
+                <a:cs typeface="Aharoni" panose="020B0604020202020204" pitchFamily="2" charset="-79"/>
+              </a:rPr>
+              <a:t>Abstractive (Encoding/Decoding)</a:t>
+            </a:r>
+          </a:p>
+        </p:txBody>
+      </p:sp>
+      <p:sp>
+        <p:nvSpPr>
+          <p:cNvPr id="3" name="Content Placeholder 2">
+            <a:extLst>
+              <a:ext uri="{FF2B5EF4-FFF2-40B4-BE49-F238E27FC236}">
+                <a16:creationId xmlns:a16="http://schemas.microsoft.com/office/drawing/2014/main" id="{5F0CF13F-E518-43EF-8499-752C6977D65A}"/>
+              </a:ext>
+            </a:extLst>
+          </p:cNvPr>
+          <p:cNvSpPr>
+            <a:spLocks noGrp="1"/>
+          </p:cNvSpPr>
+          <p:nvPr>
+            <p:ph idx="1"/>
+          </p:nvPr>
+        </p:nvSpPr>
+        <p:spPr>
+          <a:xfrm>
+            <a:off x="648929" y="2362414"/>
+            <a:ext cx="4769848" cy="3560213"/>
+          </a:xfrm>
+        </p:spPr>
+        <p:txBody>
+          <a:bodyPr>
+            <a:normAutofit lnSpcReduction="10000"/>
+          </a:bodyPr>
+          <a:lstStyle/>
+          <a:p>
+            <a:pPr marL="0" indent="0">
+              <a:buNone/>
+            </a:pPr>
+            <a:r>
+              <a:rPr lang="en-GB" dirty="0">
+                <a:solidFill>
+                  <a:schemeClr val="tx2">
+                    <a:lumMod val="75000"/>
+                  </a:schemeClr>
+                </a:solidFill>
+              </a:rPr>
+              <a:t>Several types of neural networks are used as Encoders/Decoders:</a:t>
+            </a:r>
+          </a:p>
+          <a:p>
+            <a:pPr marL="0" indent="0">
+              <a:buNone/>
+            </a:pPr>
+            <a:endParaRPr lang="en-US" dirty="0">
+              <a:solidFill>
+                <a:schemeClr val="tx2">
+                  <a:lumMod val="75000"/>
+                </a:schemeClr>
+              </a:solidFill>
+            </a:endParaRPr>
+          </a:p>
+          <a:p>
+            <a:pPr marL="457200" indent="-457200">
+              <a:buAutoNum type="arabicPeriod"/>
+            </a:pPr>
+            <a:r>
+              <a:rPr lang="en-GB" sz="2400" dirty="0">
+                <a:solidFill>
+                  <a:schemeClr val="tx2">
+                    <a:lumMod val="75000"/>
+                  </a:schemeClr>
+                </a:solidFill>
+              </a:rPr>
+              <a:t>Recurrent Neural Networks (RNNs)</a:t>
+            </a:r>
+          </a:p>
+          <a:p>
+            <a:pPr marL="457200" indent="-457200">
+              <a:buAutoNum type="arabicPeriod"/>
+            </a:pPr>
+            <a:r>
+              <a:rPr lang="en-GB" sz="2400" dirty="0">
+                <a:solidFill>
+                  <a:schemeClr val="tx2">
+                    <a:lumMod val="75000"/>
+                  </a:schemeClr>
+                </a:solidFill>
+              </a:rPr>
+              <a:t>Gated Recurrent Neural Network (GRU)</a:t>
+            </a:r>
+          </a:p>
+          <a:p>
+            <a:pPr marL="457200" indent="-457200">
+              <a:buAutoNum type="arabicPeriod"/>
+            </a:pPr>
+            <a:r>
+              <a:rPr lang="en-GB" sz="2400" dirty="0">
+                <a:solidFill>
+                  <a:schemeClr val="tx2">
+                    <a:lumMod val="75000"/>
+                  </a:schemeClr>
+                </a:solidFill>
+              </a:rPr>
+              <a:t>Long Short-Term Memory (LSTM)</a:t>
+            </a:r>
+            <a:endParaRPr lang="en-US" sz="2400" dirty="0">
+              <a:solidFill>
+                <a:schemeClr val="tx2">
+                  <a:lumMod val="75000"/>
+                </a:schemeClr>
+              </a:solidFill>
+            </a:endParaRPr>
+          </a:p>
+          <a:p>
+            <a:endParaRPr lang="en-US" dirty="0">
+              <a:solidFill>
+                <a:schemeClr val="tx2">
+                  <a:lumMod val="75000"/>
+                </a:schemeClr>
+              </a:solidFill>
+            </a:endParaRPr>
+          </a:p>
+        </p:txBody>
+      </p:sp>
+      <p:sp>
+        <p:nvSpPr>
+          <p:cNvPr id="8" name="Flowchart: Multidocument 7">
+            <a:extLst>
+              <a:ext uri="{FF2B5EF4-FFF2-40B4-BE49-F238E27FC236}">
+                <a16:creationId xmlns:a16="http://schemas.microsoft.com/office/drawing/2014/main" id="{44785482-9616-4266-9C6D-1E579219ACBD}"/>
+              </a:ext>
+            </a:extLst>
+          </p:cNvPr>
+          <p:cNvSpPr/>
+          <p:nvPr/>
+        </p:nvSpPr>
+        <p:spPr>
+          <a:xfrm>
+            <a:off x="5990505" y="3116418"/>
+            <a:ext cx="793272" cy="1207459"/>
+          </a:xfrm>
+          <a:prstGeom prst="flowChartMultidocument">
+            <a:avLst/>
+          </a:prstGeom>
+        </p:spPr>
+        <p:style>
+          <a:lnRef idx="1">
+            <a:schemeClr val="accent5"/>
+          </a:lnRef>
+          <a:fillRef idx="2">
+            <a:schemeClr val="accent5"/>
+          </a:fillRef>
+          <a:effectRef idx="1">
+            <a:schemeClr val="accent5"/>
+          </a:effectRef>
+          <a:fontRef idx="minor">
+            <a:schemeClr val="dk1"/>
+          </a:fontRef>
+        </p:style>
+        <p:txBody>
+          <a:bodyPr rtlCol="0" anchor="ctr"/>
+          <a:lstStyle/>
+          <a:p>
+            <a:pPr algn="ctr"/>
+            <a:r>
+              <a:rPr lang="en-US" sz="1100" u="sng" dirty="0">
+                <a:solidFill>
+                  <a:schemeClr val="accent1">
+                    <a:lumMod val="50000"/>
+                  </a:schemeClr>
+                </a:solidFill>
+              </a:rPr>
+              <a:t>Article</a:t>
+            </a:r>
+            <a:endParaRPr lang="en-US" sz="1400" dirty="0">
+              <a:solidFill>
+                <a:schemeClr val="accent1">
+                  <a:lumMod val="50000"/>
+                </a:schemeClr>
+              </a:solidFill>
+            </a:endParaRPr>
+          </a:p>
+        </p:txBody>
+      </p:sp>
+      <p:sp>
+        <p:nvSpPr>
+          <p:cNvPr id="5" name="Arrow: Right 4">
+            <a:extLst>
+              <a:ext uri="{FF2B5EF4-FFF2-40B4-BE49-F238E27FC236}">
+                <a16:creationId xmlns:a16="http://schemas.microsoft.com/office/drawing/2014/main" id="{83B4CE64-BFF1-4E56-930E-ECA638D7CC90}"/>
+              </a:ext>
+            </a:extLst>
+          </p:cNvPr>
+          <p:cNvSpPr/>
+          <p:nvPr/>
+        </p:nvSpPr>
+        <p:spPr>
+          <a:xfrm>
+            <a:off x="7043835" y="3498209"/>
+            <a:ext cx="662730" cy="335560"/>
+          </a:xfrm>
+          <a:prstGeom prst="rightArrow">
+            <a:avLst/>
+          </a:prstGeom>
+        </p:spPr>
+        <p:style>
+          <a:lnRef idx="1">
+            <a:schemeClr val="accent4"/>
+          </a:lnRef>
+          <a:fillRef idx="2">
+            <a:schemeClr val="accent4"/>
+          </a:fillRef>
+          <a:effectRef idx="1">
+            <a:schemeClr val="accent4"/>
+          </a:effectRef>
+          <a:fontRef idx="minor">
+            <a:schemeClr val="dk1"/>
+          </a:fontRef>
+        </p:style>
+        <p:txBody>
+          <a:bodyPr rtlCol="0" anchor="ctr"/>
+          <a:lstStyle/>
+          <a:p>
+            <a:pPr algn="ctr"/>
+            <a:endParaRPr lang="en-US"/>
+          </a:p>
+        </p:txBody>
+      </p:sp>
+      <p:sp>
+        <p:nvSpPr>
+          <p:cNvPr id="6" name="Rectangle 5">
+            <a:extLst>
+              <a:ext uri="{FF2B5EF4-FFF2-40B4-BE49-F238E27FC236}">
+                <a16:creationId xmlns:a16="http://schemas.microsoft.com/office/drawing/2014/main" id="{D6D33061-E9CD-4A5D-8A6C-B9FDA76B5E60}"/>
+              </a:ext>
+            </a:extLst>
+          </p:cNvPr>
+          <p:cNvSpPr/>
+          <p:nvPr/>
+        </p:nvSpPr>
+        <p:spPr>
+          <a:xfrm>
+            <a:off x="7899511" y="3377657"/>
+            <a:ext cx="1031845" cy="576663"/>
+          </a:xfrm>
+          <a:prstGeom prst="rect">
+            <a:avLst/>
+          </a:prstGeom>
+        </p:spPr>
+        <p:style>
+          <a:lnRef idx="1">
+            <a:schemeClr val="accent5"/>
+          </a:lnRef>
+          <a:fillRef idx="2">
+            <a:schemeClr val="accent5"/>
+          </a:fillRef>
+          <a:effectRef idx="1">
+            <a:schemeClr val="accent5"/>
+          </a:effectRef>
+          <a:fontRef idx="minor">
+            <a:schemeClr val="dk1"/>
+          </a:fontRef>
+        </p:style>
+        <p:txBody>
+          <a:bodyPr rtlCol="0" anchor="ctr"/>
+          <a:lstStyle/>
+          <a:p>
+            <a:pPr algn="ctr"/>
+            <a:r>
+              <a:rPr lang="en-US" sz="1400" dirty="0">
+                <a:solidFill>
+                  <a:schemeClr val="accent1">
+                    <a:lumMod val="75000"/>
+                  </a:schemeClr>
+                </a:solidFill>
+              </a:rPr>
+              <a:t>Text</a:t>
+            </a:r>
+          </a:p>
+        </p:txBody>
+      </p:sp>
+      <p:sp>
+        <p:nvSpPr>
+          <p:cNvPr id="11" name="Arrow: Right 10">
+            <a:extLst>
+              <a:ext uri="{FF2B5EF4-FFF2-40B4-BE49-F238E27FC236}">
+                <a16:creationId xmlns:a16="http://schemas.microsoft.com/office/drawing/2014/main" id="{69DE8E4A-E4E9-44F4-9F12-70C7A5CB7E46}"/>
+              </a:ext>
+            </a:extLst>
+          </p:cNvPr>
+          <p:cNvSpPr/>
+          <p:nvPr/>
+        </p:nvSpPr>
+        <p:spPr>
+          <a:xfrm>
+            <a:off x="9115914" y="3498209"/>
+            <a:ext cx="662730" cy="335560"/>
+          </a:xfrm>
+          <a:prstGeom prst="rightArrow">
+            <a:avLst/>
+          </a:prstGeom>
+        </p:spPr>
+        <p:style>
+          <a:lnRef idx="1">
+            <a:schemeClr val="accent4"/>
+          </a:lnRef>
+          <a:fillRef idx="2">
+            <a:schemeClr val="accent4"/>
+          </a:fillRef>
+          <a:effectRef idx="1">
+            <a:schemeClr val="accent4"/>
+          </a:effectRef>
+          <a:fontRef idx="minor">
+            <a:schemeClr val="dk1"/>
+          </a:fontRef>
+        </p:style>
+        <p:txBody>
+          <a:bodyPr rtlCol="0" anchor="ctr"/>
+          <a:lstStyle/>
+          <a:p>
+            <a:pPr algn="ctr"/>
+            <a:endParaRPr lang="en-US"/>
+          </a:p>
+        </p:txBody>
+      </p:sp>
+      <p:sp>
+        <p:nvSpPr>
+          <p:cNvPr id="12" name="Rectangle 11">
+            <a:extLst>
+              <a:ext uri="{FF2B5EF4-FFF2-40B4-BE49-F238E27FC236}">
+                <a16:creationId xmlns:a16="http://schemas.microsoft.com/office/drawing/2014/main" id="{B76FED68-76A2-4148-B961-CD72CFF8D7D3}"/>
+              </a:ext>
+            </a:extLst>
+          </p:cNvPr>
+          <p:cNvSpPr/>
+          <p:nvPr/>
+        </p:nvSpPr>
+        <p:spPr>
+          <a:xfrm>
+            <a:off x="9912869" y="3377656"/>
+            <a:ext cx="1031845" cy="576663"/>
+          </a:xfrm>
+          <a:prstGeom prst="rect">
+            <a:avLst/>
+          </a:prstGeom>
+        </p:spPr>
+        <p:style>
+          <a:lnRef idx="1">
+            <a:schemeClr val="accent5"/>
+          </a:lnRef>
+          <a:fillRef idx="2">
+            <a:schemeClr val="accent5"/>
+          </a:fillRef>
+          <a:effectRef idx="1">
+            <a:schemeClr val="accent5"/>
+          </a:effectRef>
+          <a:fontRef idx="minor">
+            <a:schemeClr val="dk1"/>
+          </a:fontRef>
+        </p:style>
+        <p:txBody>
+          <a:bodyPr rtlCol="0" anchor="ctr"/>
+          <a:lstStyle/>
+          <a:p>
+            <a:pPr algn="ctr"/>
+            <a:r>
+              <a:rPr lang="en-US" sz="1400" dirty="0">
+                <a:solidFill>
+                  <a:schemeClr val="accent1">
+                    <a:lumMod val="75000"/>
+                  </a:schemeClr>
+                </a:solidFill>
+              </a:rPr>
+              <a:t>Sentences</a:t>
+            </a:r>
+          </a:p>
+        </p:txBody>
+      </p:sp>
+      <p:sp>
+        <p:nvSpPr>
+          <p:cNvPr id="13" name="Arrow: Curved Left 12">
+            <a:extLst>
+              <a:ext uri="{FF2B5EF4-FFF2-40B4-BE49-F238E27FC236}">
+                <a16:creationId xmlns:a16="http://schemas.microsoft.com/office/drawing/2014/main" id="{95CA285C-C4CC-4AAD-94EC-2E412780ACA6}"/>
+              </a:ext>
+            </a:extLst>
+          </p:cNvPr>
+          <p:cNvSpPr/>
+          <p:nvPr/>
+        </p:nvSpPr>
+        <p:spPr>
+          <a:xfrm>
+            <a:off x="11078939" y="3632433"/>
+            <a:ext cx="443399" cy="1295173"/>
+          </a:xfrm>
+          <a:prstGeom prst="curvedLeftArrow">
+            <a:avLst/>
+          </a:prstGeom>
+        </p:spPr>
+        <p:style>
+          <a:lnRef idx="1">
+            <a:schemeClr val="accent4"/>
+          </a:lnRef>
+          <a:fillRef idx="2">
+            <a:schemeClr val="accent4"/>
+          </a:fillRef>
+          <a:effectRef idx="1">
+            <a:schemeClr val="accent4"/>
+          </a:effectRef>
+          <a:fontRef idx="minor">
+            <a:schemeClr val="dk1"/>
+          </a:fontRef>
+        </p:style>
+        <p:txBody>
+          <a:bodyPr rtlCol="0" anchor="ctr"/>
+          <a:lstStyle/>
+          <a:p>
+            <a:pPr algn="ctr"/>
+            <a:endParaRPr lang="en-US">
+              <a:solidFill>
+                <a:schemeClr val="tx1"/>
+              </a:solidFill>
+            </a:endParaRPr>
+          </a:p>
+        </p:txBody>
+      </p:sp>
+      <p:sp>
+        <p:nvSpPr>
+          <p:cNvPr id="14" name="Rectangle 13">
+            <a:extLst>
+              <a:ext uri="{FF2B5EF4-FFF2-40B4-BE49-F238E27FC236}">
+                <a16:creationId xmlns:a16="http://schemas.microsoft.com/office/drawing/2014/main" id="{5194B3C2-A799-479C-AFDE-FE300EA57DAF}"/>
+              </a:ext>
+            </a:extLst>
+          </p:cNvPr>
+          <p:cNvSpPr/>
+          <p:nvPr/>
+        </p:nvSpPr>
+        <p:spPr>
+          <a:xfrm>
+            <a:off x="9912868" y="4535338"/>
+            <a:ext cx="1031845" cy="576663"/>
+          </a:xfrm>
+          <a:prstGeom prst="rect">
+            <a:avLst/>
+          </a:prstGeom>
+        </p:spPr>
+        <p:style>
+          <a:lnRef idx="1">
+            <a:schemeClr val="accent5"/>
+          </a:lnRef>
+          <a:fillRef idx="2">
+            <a:schemeClr val="accent5"/>
+          </a:fillRef>
+          <a:effectRef idx="1">
+            <a:schemeClr val="accent5"/>
+          </a:effectRef>
+          <a:fontRef idx="minor">
+            <a:schemeClr val="dk1"/>
+          </a:fontRef>
+        </p:style>
+        <p:txBody>
+          <a:bodyPr rtlCol="0" anchor="ctr"/>
+          <a:lstStyle/>
+          <a:p>
+            <a:pPr algn="ctr"/>
+            <a:r>
+              <a:rPr lang="en-US" sz="1400" dirty="0">
+                <a:solidFill>
+                  <a:schemeClr val="accent1">
+                    <a:lumMod val="75000"/>
+                  </a:schemeClr>
+                </a:solidFill>
+              </a:rPr>
+              <a:t>Words</a:t>
+            </a:r>
+          </a:p>
+        </p:txBody>
+      </p:sp>
+      <p:sp>
+        <p:nvSpPr>
+          <p:cNvPr id="23" name="Arrow: Right 22">
+            <a:extLst>
+              <a:ext uri="{FF2B5EF4-FFF2-40B4-BE49-F238E27FC236}">
+                <a16:creationId xmlns:a16="http://schemas.microsoft.com/office/drawing/2014/main" id="{3367AF26-549D-465E-A231-D1260EFD28A2}"/>
+              </a:ext>
+            </a:extLst>
+          </p:cNvPr>
+          <p:cNvSpPr/>
+          <p:nvPr/>
+        </p:nvSpPr>
+        <p:spPr>
+          <a:xfrm rot="10800000">
+            <a:off x="9115914" y="4655889"/>
+            <a:ext cx="662730" cy="335560"/>
+          </a:xfrm>
+          <a:prstGeom prst="rightArrow">
+            <a:avLst/>
+          </a:prstGeom>
+        </p:spPr>
+        <p:style>
+          <a:lnRef idx="1">
+            <a:schemeClr val="accent4"/>
+          </a:lnRef>
+          <a:fillRef idx="2">
+            <a:schemeClr val="accent4"/>
+          </a:fillRef>
+          <a:effectRef idx="1">
+            <a:schemeClr val="accent4"/>
+          </a:effectRef>
+          <a:fontRef idx="minor">
+            <a:schemeClr val="dk1"/>
+          </a:fontRef>
+        </p:style>
+        <p:txBody>
+          <a:bodyPr rtlCol="0" anchor="ctr"/>
+          <a:lstStyle/>
+          <a:p>
+            <a:pPr algn="ctr"/>
+            <a:endParaRPr lang="en-US"/>
+          </a:p>
+        </p:txBody>
+      </p:sp>
+      <p:sp>
+        <p:nvSpPr>
+          <p:cNvPr id="24" name="Rectangle 23">
+            <a:extLst>
+              <a:ext uri="{FF2B5EF4-FFF2-40B4-BE49-F238E27FC236}">
+                <a16:creationId xmlns:a16="http://schemas.microsoft.com/office/drawing/2014/main" id="{0D04BEFB-228D-413F-8684-7C3EB65F1FF3}"/>
+              </a:ext>
+            </a:extLst>
+          </p:cNvPr>
+          <p:cNvSpPr/>
+          <p:nvPr/>
+        </p:nvSpPr>
+        <p:spPr>
+          <a:xfrm>
+            <a:off x="7899511" y="4535338"/>
+            <a:ext cx="1031845" cy="576663"/>
+          </a:xfrm>
+          <a:prstGeom prst="rect">
+            <a:avLst/>
+          </a:prstGeom>
+        </p:spPr>
+        <p:style>
+          <a:lnRef idx="1">
+            <a:schemeClr val="accent5"/>
+          </a:lnRef>
+          <a:fillRef idx="2">
+            <a:schemeClr val="accent5"/>
+          </a:fillRef>
+          <a:effectRef idx="1">
+            <a:schemeClr val="accent5"/>
+          </a:effectRef>
+          <a:fontRef idx="minor">
+            <a:schemeClr val="dk1"/>
+          </a:fontRef>
+        </p:style>
+        <p:txBody>
+          <a:bodyPr rtlCol="0" anchor="ctr"/>
+          <a:lstStyle/>
+          <a:p>
+            <a:pPr algn="ctr"/>
+            <a:r>
+              <a:rPr lang="en-US" sz="1100" dirty="0">
+                <a:solidFill>
+                  <a:schemeClr val="accent1">
+                    <a:lumMod val="75000"/>
+                  </a:schemeClr>
+                </a:solidFill>
+              </a:rPr>
+              <a:t>Stop word Remove</a:t>
+            </a:r>
+            <a:endParaRPr lang="en-US" sz="1400" dirty="0">
+              <a:solidFill>
+                <a:schemeClr val="accent1">
+                  <a:lumMod val="75000"/>
+                </a:schemeClr>
+              </a:solidFill>
+            </a:endParaRPr>
+          </a:p>
+        </p:txBody>
+      </p:sp>
+      <p:sp>
+        <p:nvSpPr>
+          <p:cNvPr id="25" name="Arrow: Right 24">
+            <a:extLst>
+              <a:ext uri="{FF2B5EF4-FFF2-40B4-BE49-F238E27FC236}">
+                <a16:creationId xmlns:a16="http://schemas.microsoft.com/office/drawing/2014/main" id="{FD131133-06C0-485E-8F15-889B504EBE78}"/>
+              </a:ext>
+            </a:extLst>
+          </p:cNvPr>
+          <p:cNvSpPr/>
+          <p:nvPr/>
+        </p:nvSpPr>
+        <p:spPr>
+          <a:xfrm rot="10800000">
+            <a:off x="7022862" y="4667139"/>
+            <a:ext cx="662730" cy="335560"/>
+          </a:xfrm>
+          <a:prstGeom prst="rightArrow">
+            <a:avLst/>
+          </a:prstGeom>
+        </p:spPr>
+        <p:style>
+          <a:lnRef idx="1">
+            <a:schemeClr val="accent4"/>
+          </a:lnRef>
+          <a:fillRef idx="2">
+            <a:schemeClr val="accent4"/>
+          </a:fillRef>
+          <a:effectRef idx="1">
+            <a:schemeClr val="accent4"/>
+          </a:effectRef>
+          <a:fontRef idx="minor">
+            <a:schemeClr val="dk1"/>
+          </a:fontRef>
+        </p:style>
+        <p:txBody>
+          <a:bodyPr rtlCol="0" anchor="ctr"/>
+          <a:lstStyle/>
+          <a:p>
+            <a:pPr algn="ctr"/>
+            <a:endParaRPr lang="en-US"/>
+          </a:p>
+        </p:txBody>
+      </p:sp>
+      <p:sp>
+        <p:nvSpPr>
+          <p:cNvPr id="26" name="Rectangle 25">
+            <a:extLst>
+              <a:ext uri="{FF2B5EF4-FFF2-40B4-BE49-F238E27FC236}">
+                <a16:creationId xmlns:a16="http://schemas.microsoft.com/office/drawing/2014/main" id="{D534C554-FB5D-4574-80DC-451153627592}"/>
+              </a:ext>
+            </a:extLst>
+          </p:cNvPr>
+          <p:cNvSpPr/>
+          <p:nvPr/>
+        </p:nvSpPr>
+        <p:spPr>
+          <a:xfrm>
+            <a:off x="5806459" y="4546588"/>
+            <a:ext cx="1031845" cy="576663"/>
+          </a:xfrm>
+          <a:prstGeom prst="rect">
+            <a:avLst/>
+          </a:prstGeom>
+        </p:spPr>
+        <p:style>
+          <a:lnRef idx="1">
+            <a:schemeClr val="accent5"/>
+          </a:lnRef>
+          <a:fillRef idx="2">
+            <a:schemeClr val="accent5"/>
+          </a:fillRef>
+          <a:effectRef idx="1">
+            <a:schemeClr val="accent5"/>
+          </a:effectRef>
+          <a:fontRef idx="minor">
+            <a:schemeClr val="dk1"/>
+          </a:fontRef>
+        </p:style>
+        <p:txBody>
+          <a:bodyPr rtlCol="0" anchor="ctr"/>
+          <a:lstStyle/>
+          <a:p>
+            <a:pPr algn="ctr"/>
+            <a:r>
+              <a:rPr lang="en-US" sz="1100" dirty="0">
+                <a:solidFill>
+                  <a:schemeClr val="accent1">
+                    <a:lumMod val="75000"/>
+                  </a:schemeClr>
+                </a:solidFill>
+              </a:rPr>
+              <a:t>Stem/</a:t>
+            </a:r>
+            <a:r>
+              <a:rPr lang="en-US" sz="1100" dirty="0" err="1">
+                <a:solidFill>
+                  <a:schemeClr val="accent1">
+                    <a:lumMod val="75000"/>
+                  </a:schemeClr>
+                </a:solidFill>
+              </a:rPr>
+              <a:t>Lemm</a:t>
+            </a:r>
+            <a:endParaRPr lang="en-US" sz="1400" dirty="0">
+              <a:solidFill>
+                <a:schemeClr val="accent1">
+                  <a:lumMod val="75000"/>
+                </a:schemeClr>
+              </a:solidFill>
+            </a:endParaRPr>
+          </a:p>
+        </p:txBody>
+      </p:sp>
+    </p:spTree>
+    <p:extLst>
+      <p:ext uri="{BB962C8B-B14F-4D97-AF65-F5344CB8AC3E}">
+        <p14:creationId xmlns:p14="http://schemas.microsoft.com/office/powerpoint/2010/main" val="3062399171"/>
+      </p:ext>
+    </p:extLst>
+  </p:cSld>
+  <p:clrMapOvr>
+    <a:masterClrMapping/>
+  </p:clrMapOvr>
+</p:sld>
+</file>
+
+<file path=ppt/slides/slide23.xml><?xml version="1.0" encoding="utf-8"?>
+<p:sld xmlns:a="http://schemas.openxmlformats.org/drawingml/2006/main" xmlns:r="http://schemas.openxmlformats.org/officeDocument/2006/relationships" xmlns:p="http://schemas.openxmlformats.org/presentationml/2006/main">
+  <p:cSld>
+    <p:bg>
+      <p:bgPr>
+        <a:solidFill>
+          <a:schemeClr val="bg1"/>
+        </a:solidFill>
+        <a:effectLst/>
+      </p:bgPr>
+    </p:bg>
+    <p:spTree>
+      <p:nvGrpSpPr>
+        <p:cNvPr id="1" name=""/>
+        <p:cNvGrpSpPr/>
+        <p:nvPr/>
+      </p:nvGrpSpPr>
+      <p:grpSpPr>
+        <a:xfrm>
+          <a:off x="0" y="0"/>
+          <a:ext cx="0" cy="0"/>
+          <a:chOff x="0" y="0"/>
+          <a:chExt cx="0" cy="0"/>
+        </a:xfrm>
+      </p:grpSpPr>
+      <p:sp>
+        <p:nvSpPr>
+          <p:cNvPr id="2" name="Title 1">
+            <a:extLst>
+              <a:ext uri="{FF2B5EF4-FFF2-40B4-BE49-F238E27FC236}">
+                <a16:creationId xmlns:a16="http://schemas.microsoft.com/office/drawing/2014/main" id="{C4A394F7-2B73-418C-A0AB-5FCA96EC5615}"/>
+              </a:ext>
+            </a:extLst>
+          </p:cNvPr>
+          <p:cNvSpPr>
+            <a:spLocks noGrp="1"/>
+          </p:cNvSpPr>
+          <p:nvPr>
+            <p:ph type="title"/>
+          </p:nvPr>
+        </p:nvSpPr>
+        <p:spPr>
+          <a:xfrm>
+            <a:off x="648929" y="746712"/>
+            <a:ext cx="10340648" cy="1676603"/>
+          </a:xfrm>
+        </p:spPr>
+        <p:txBody>
+          <a:bodyPr>
+            <a:normAutofit/>
+          </a:bodyPr>
+          <a:lstStyle/>
+          <a:p>
+            <a:r>
+              <a:rPr lang="en-US" sz="3600" dirty="0">
+                <a:solidFill>
+                  <a:schemeClr val="tx2">
+                    <a:lumMod val="75000"/>
+                  </a:schemeClr>
+                </a:solidFill>
+                <a:latin typeface="Arial Black" panose="020B0A04020102020204" pitchFamily="34" charset="0"/>
+                <a:cs typeface="Aharoni" panose="020B0604020202020204" pitchFamily="2" charset="-79"/>
+              </a:rPr>
+              <a:t>Abstractive Encoding (How it is done?)</a:t>
+            </a:r>
+          </a:p>
+        </p:txBody>
+      </p:sp>
+      <p:sp>
+        <p:nvSpPr>
+          <p:cNvPr id="3" name="Content Placeholder 2">
+            <a:extLst>
+              <a:ext uri="{FF2B5EF4-FFF2-40B4-BE49-F238E27FC236}">
+                <a16:creationId xmlns:a16="http://schemas.microsoft.com/office/drawing/2014/main" id="{5F0CF13F-E518-43EF-8499-752C6977D65A}"/>
+              </a:ext>
+            </a:extLst>
+          </p:cNvPr>
+          <p:cNvSpPr>
+            <a:spLocks noGrp="1"/>
+          </p:cNvSpPr>
+          <p:nvPr>
+            <p:ph idx="1"/>
+          </p:nvPr>
+        </p:nvSpPr>
+        <p:spPr>
+          <a:xfrm>
+            <a:off x="648929" y="2362414"/>
+            <a:ext cx="10515600" cy="3560213"/>
+          </a:xfrm>
+        </p:spPr>
+        <p:txBody>
+          <a:bodyPr/>
+          <a:lstStyle/>
+          <a:p>
+            <a:pPr marL="0" indent="0">
+              <a:buNone/>
+            </a:pPr>
+            <a:endParaRPr lang="en-US" dirty="0">
+              <a:solidFill>
+                <a:schemeClr val="tx2">
+                  <a:lumMod val="75000"/>
+                </a:schemeClr>
+              </a:solidFill>
+            </a:endParaRPr>
+          </a:p>
+          <a:p>
+            <a:pPr marL="0" indent="0">
+              <a:buNone/>
+            </a:pPr>
+            <a:r>
+              <a:rPr lang="en-GB" sz="2400" dirty="0">
+                <a:solidFill>
+                  <a:schemeClr val="tx2">
+                    <a:lumMod val="75000"/>
+                  </a:schemeClr>
+                </a:solidFill>
+              </a:rPr>
+              <a:t>1. </a:t>
+            </a:r>
+            <a:r>
+              <a:rPr lang="en-GB" sz="2400" dirty="0" err="1">
+                <a:solidFill>
+                  <a:schemeClr val="tx2">
+                    <a:lumMod val="75000"/>
+                  </a:schemeClr>
+                </a:solidFill>
+              </a:rPr>
+              <a:t>Frequencybased</a:t>
+            </a:r>
+            <a:r>
+              <a:rPr lang="en-GB" sz="2400" dirty="0">
+                <a:solidFill>
+                  <a:schemeClr val="tx2">
+                    <a:lumMod val="75000"/>
+                  </a:schemeClr>
+                </a:solidFill>
+              </a:rPr>
+              <a:t> representation</a:t>
+            </a:r>
+          </a:p>
+          <a:p>
+            <a:pPr marL="0" indent="0">
+              <a:buNone/>
+            </a:pPr>
+            <a:r>
+              <a:rPr lang="en-GB" sz="2400" dirty="0">
+                <a:solidFill>
+                  <a:schemeClr val="tx2">
+                    <a:lumMod val="75000"/>
+                  </a:schemeClr>
+                </a:solidFill>
+              </a:rPr>
+              <a:t>2. Semantic similarity representation</a:t>
+            </a:r>
+          </a:p>
+          <a:p>
+            <a:pPr marL="0" indent="0">
+              <a:buNone/>
+            </a:pPr>
+            <a:r>
+              <a:rPr lang="en-GB" sz="2400" dirty="0">
+                <a:solidFill>
+                  <a:schemeClr val="tx2">
+                    <a:lumMod val="75000"/>
+                  </a:schemeClr>
+                </a:solidFill>
+              </a:rPr>
+              <a:t>3. Vector similarity representation</a:t>
+            </a:r>
+          </a:p>
+          <a:p>
+            <a:pPr marL="0" indent="0">
+              <a:buNone/>
+            </a:pPr>
+            <a:r>
+              <a:rPr lang="en-GB" sz="2400" dirty="0">
+                <a:solidFill>
+                  <a:schemeClr val="tx2">
+                    <a:lumMod val="75000"/>
+                  </a:schemeClr>
+                </a:solidFill>
+              </a:rPr>
+              <a:t>4. Graph based representation</a:t>
+            </a:r>
+            <a:endParaRPr lang="en-US" sz="2400" dirty="0">
+              <a:solidFill>
+                <a:schemeClr val="tx2">
+                  <a:lumMod val="75000"/>
+                </a:schemeClr>
+              </a:solidFill>
+            </a:endParaRPr>
+          </a:p>
+          <a:p>
+            <a:endParaRPr lang="en-US" dirty="0">
+              <a:solidFill>
+                <a:schemeClr val="tx2">
+                  <a:lumMod val="75000"/>
+                </a:schemeClr>
+              </a:solidFill>
+            </a:endParaRPr>
+          </a:p>
+        </p:txBody>
+      </p:sp>
+      <p:sp>
+        <p:nvSpPr>
+          <p:cNvPr id="5" name="Flowchart: Multidocument 4">
+            <a:extLst>
+              <a:ext uri="{FF2B5EF4-FFF2-40B4-BE49-F238E27FC236}">
+                <a16:creationId xmlns:a16="http://schemas.microsoft.com/office/drawing/2014/main" id="{07F2EECB-6973-4693-8B46-8ED795C8D4EE}"/>
+              </a:ext>
+            </a:extLst>
+          </p:cNvPr>
+          <p:cNvSpPr/>
+          <p:nvPr/>
+        </p:nvSpPr>
+        <p:spPr>
+          <a:xfrm>
+            <a:off x="6035368" y="2879430"/>
+            <a:ext cx="793272" cy="1207459"/>
+          </a:xfrm>
+          <a:prstGeom prst="flowChartMultidocument">
+            <a:avLst/>
+          </a:prstGeom>
+        </p:spPr>
+        <p:style>
+          <a:lnRef idx="1">
+            <a:schemeClr val="accent5"/>
+          </a:lnRef>
+          <a:fillRef idx="2">
+            <a:schemeClr val="accent5"/>
+          </a:fillRef>
+          <a:effectRef idx="1">
+            <a:schemeClr val="accent5"/>
+          </a:effectRef>
+          <a:fontRef idx="minor">
+            <a:schemeClr val="dk1"/>
+          </a:fontRef>
+        </p:style>
+        <p:txBody>
+          <a:bodyPr rtlCol="0" anchor="ctr"/>
+          <a:lstStyle/>
+          <a:p>
+            <a:pPr algn="ctr"/>
+            <a:r>
+              <a:rPr lang="en-US" sz="1100" u="sng" dirty="0">
+                <a:solidFill>
+                  <a:schemeClr val="accent1">
+                    <a:lumMod val="50000"/>
+                  </a:schemeClr>
+                </a:solidFill>
+              </a:rPr>
+              <a:t>Article</a:t>
+            </a:r>
+            <a:endParaRPr lang="en-US" sz="1400" dirty="0">
+              <a:solidFill>
+                <a:schemeClr val="accent1">
+                  <a:lumMod val="50000"/>
+                </a:schemeClr>
+              </a:solidFill>
+            </a:endParaRPr>
+          </a:p>
+        </p:txBody>
+      </p:sp>
+      <p:sp>
+        <p:nvSpPr>
+          <p:cNvPr id="6" name="Arrow: Right 5">
+            <a:extLst>
+              <a:ext uri="{FF2B5EF4-FFF2-40B4-BE49-F238E27FC236}">
+                <a16:creationId xmlns:a16="http://schemas.microsoft.com/office/drawing/2014/main" id="{03C69B27-BA9F-4BF2-BE3E-BFFB8565040A}"/>
+              </a:ext>
+            </a:extLst>
+          </p:cNvPr>
+          <p:cNvSpPr/>
+          <p:nvPr/>
+        </p:nvSpPr>
+        <p:spPr>
+          <a:xfrm>
+            <a:off x="7088698" y="3261221"/>
+            <a:ext cx="662730" cy="335560"/>
+          </a:xfrm>
+          <a:prstGeom prst="rightArrow">
+            <a:avLst/>
+          </a:prstGeom>
+        </p:spPr>
+        <p:style>
+          <a:lnRef idx="1">
+            <a:schemeClr val="accent4"/>
+          </a:lnRef>
+          <a:fillRef idx="2">
+            <a:schemeClr val="accent4"/>
+          </a:fillRef>
+          <a:effectRef idx="1">
+            <a:schemeClr val="accent4"/>
+          </a:effectRef>
+          <a:fontRef idx="minor">
+            <a:schemeClr val="dk1"/>
+          </a:fontRef>
+        </p:style>
+        <p:txBody>
+          <a:bodyPr rtlCol="0" anchor="ctr"/>
+          <a:lstStyle/>
+          <a:p>
+            <a:pPr algn="ctr"/>
+            <a:endParaRPr lang="en-US"/>
+          </a:p>
+        </p:txBody>
+      </p:sp>
+      <p:sp>
+        <p:nvSpPr>
+          <p:cNvPr id="7" name="Rectangle 6">
+            <a:extLst>
+              <a:ext uri="{FF2B5EF4-FFF2-40B4-BE49-F238E27FC236}">
+                <a16:creationId xmlns:a16="http://schemas.microsoft.com/office/drawing/2014/main" id="{8DE00F9F-C1CA-406F-8755-3785381B7A58}"/>
+              </a:ext>
+            </a:extLst>
+          </p:cNvPr>
+          <p:cNvSpPr/>
+          <p:nvPr/>
+        </p:nvSpPr>
+        <p:spPr>
+          <a:xfrm>
+            <a:off x="7944374" y="3140669"/>
+            <a:ext cx="1031845" cy="576663"/>
+          </a:xfrm>
+          <a:prstGeom prst="rect">
+            <a:avLst/>
+          </a:prstGeom>
+        </p:spPr>
+        <p:style>
+          <a:lnRef idx="1">
+            <a:schemeClr val="accent5"/>
+          </a:lnRef>
+          <a:fillRef idx="2">
+            <a:schemeClr val="accent5"/>
+          </a:fillRef>
+          <a:effectRef idx="1">
+            <a:schemeClr val="accent5"/>
+          </a:effectRef>
+          <a:fontRef idx="minor">
+            <a:schemeClr val="dk1"/>
+          </a:fontRef>
+        </p:style>
+        <p:txBody>
+          <a:bodyPr rtlCol="0" anchor="ctr"/>
+          <a:lstStyle/>
+          <a:p>
+            <a:pPr algn="ctr"/>
+            <a:r>
+              <a:rPr lang="en-US" sz="1400" dirty="0">
+                <a:solidFill>
+                  <a:schemeClr val="accent1">
+                    <a:lumMod val="75000"/>
+                  </a:schemeClr>
+                </a:solidFill>
+              </a:rPr>
+              <a:t>Text</a:t>
+            </a:r>
+          </a:p>
+        </p:txBody>
+      </p:sp>
+      <p:sp>
+        <p:nvSpPr>
+          <p:cNvPr id="8" name="Arrow: Right 7">
+            <a:extLst>
+              <a:ext uri="{FF2B5EF4-FFF2-40B4-BE49-F238E27FC236}">
+                <a16:creationId xmlns:a16="http://schemas.microsoft.com/office/drawing/2014/main" id="{FE8E60C2-CEEA-4E8B-8E2D-B7B3FB3400FF}"/>
+              </a:ext>
+            </a:extLst>
+          </p:cNvPr>
+          <p:cNvSpPr/>
+          <p:nvPr/>
+        </p:nvSpPr>
+        <p:spPr>
+          <a:xfrm>
+            <a:off x="9160777" y="3261221"/>
+            <a:ext cx="662730" cy="335560"/>
+          </a:xfrm>
+          <a:prstGeom prst="rightArrow">
+            <a:avLst/>
+          </a:prstGeom>
+        </p:spPr>
+        <p:style>
+          <a:lnRef idx="1">
+            <a:schemeClr val="accent4"/>
+          </a:lnRef>
+          <a:fillRef idx="2">
+            <a:schemeClr val="accent4"/>
+          </a:fillRef>
+          <a:effectRef idx="1">
+            <a:schemeClr val="accent4"/>
+          </a:effectRef>
+          <a:fontRef idx="minor">
+            <a:schemeClr val="dk1"/>
+          </a:fontRef>
+        </p:style>
+        <p:txBody>
+          <a:bodyPr rtlCol="0" anchor="ctr"/>
+          <a:lstStyle/>
+          <a:p>
+            <a:pPr algn="ctr"/>
+            <a:endParaRPr lang="en-US"/>
+          </a:p>
+        </p:txBody>
+      </p:sp>
+      <p:sp>
+        <p:nvSpPr>
+          <p:cNvPr id="9" name="Rectangle 8">
+            <a:extLst>
+              <a:ext uri="{FF2B5EF4-FFF2-40B4-BE49-F238E27FC236}">
+                <a16:creationId xmlns:a16="http://schemas.microsoft.com/office/drawing/2014/main" id="{52EEC0C1-B06F-48B5-B459-F9A2C760852E}"/>
+              </a:ext>
+            </a:extLst>
+          </p:cNvPr>
+          <p:cNvSpPr/>
+          <p:nvPr/>
+        </p:nvSpPr>
+        <p:spPr>
+          <a:xfrm>
+            <a:off x="9957732" y="3140668"/>
+            <a:ext cx="1031845" cy="576663"/>
+          </a:xfrm>
+          <a:prstGeom prst="rect">
+            <a:avLst/>
+          </a:prstGeom>
+        </p:spPr>
+        <p:style>
+          <a:lnRef idx="1">
+            <a:schemeClr val="accent5"/>
+          </a:lnRef>
+          <a:fillRef idx="2">
+            <a:schemeClr val="accent5"/>
+          </a:fillRef>
+          <a:effectRef idx="1">
+            <a:schemeClr val="accent5"/>
+          </a:effectRef>
+          <a:fontRef idx="minor">
+            <a:schemeClr val="dk1"/>
+          </a:fontRef>
+        </p:style>
+        <p:txBody>
+          <a:bodyPr rtlCol="0" anchor="ctr"/>
+          <a:lstStyle/>
+          <a:p>
+            <a:pPr algn="ctr"/>
+            <a:r>
+              <a:rPr lang="en-US" sz="1400" dirty="0">
+                <a:solidFill>
+                  <a:schemeClr val="accent1">
+                    <a:lumMod val="75000"/>
+                  </a:schemeClr>
+                </a:solidFill>
+              </a:rPr>
+              <a:t>Sentences</a:t>
+            </a:r>
+          </a:p>
+        </p:txBody>
+      </p:sp>
+      <p:sp>
+        <p:nvSpPr>
+          <p:cNvPr id="16" name="Arrow: Bent 15">
+            <a:extLst>
+              <a:ext uri="{FF2B5EF4-FFF2-40B4-BE49-F238E27FC236}">
+                <a16:creationId xmlns:a16="http://schemas.microsoft.com/office/drawing/2014/main" id="{A67D545E-C543-47B7-90FE-4740302032B7}"/>
+              </a:ext>
+            </a:extLst>
+          </p:cNvPr>
+          <p:cNvSpPr/>
+          <p:nvPr/>
+        </p:nvSpPr>
+        <p:spPr>
+          <a:xfrm rot="10800000">
+            <a:off x="9748009" y="3925321"/>
+            <a:ext cx="793272" cy="690817"/>
+          </a:xfrm>
+          <a:prstGeom prst="bentArrow">
+            <a:avLst/>
+          </a:prstGeom>
+        </p:spPr>
+        <p:style>
+          <a:lnRef idx="1">
+            <a:schemeClr val="accent4"/>
+          </a:lnRef>
+          <a:fillRef idx="2">
+            <a:schemeClr val="accent4"/>
+          </a:fillRef>
+          <a:effectRef idx="1">
+            <a:schemeClr val="accent4"/>
+          </a:effectRef>
+          <a:fontRef idx="minor">
+            <a:schemeClr val="dk1"/>
+          </a:fontRef>
+        </p:style>
+        <p:txBody>
+          <a:bodyPr rtlCol="0" anchor="ctr"/>
+          <a:lstStyle/>
+          <a:p>
+            <a:pPr algn="ctr"/>
+            <a:endParaRPr lang="en-US">
+              <a:solidFill>
+                <a:schemeClr val="tx1"/>
+              </a:solidFill>
+            </a:endParaRPr>
+          </a:p>
+        </p:txBody>
+      </p:sp>
+      <p:sp>
+        <p:nvSpPr>
+          <p:cNvPr id="17" name="Rectangle 16">
+            <a:extLst>
+              <a:ext uri="{FF2B5EF4-FFF2-40B4-BE49-F238E27FC236}">
+                <a16:creationId xmlns:a16="http://schemas.microsoft.com/office/drawing/2014/main" id="{3920015D-BC2A-4F55-B0FA-AA1CB9C347D8}"/>
+              </a:ext>
+            </a:extLst>
+          </p:cNvPr>
+          <p:cNvSpPr/>
+          <p:nvPr/>
+        </p:nvSpPr>
+        <p:spPr>
+          <a:xfrm>
+            <a:off x="8179267" y="4142520"/>
+            <a:ext cx="1312876" cy="576663"/>
+          </a:xfrm>
+          <a:prstGeom prst="rect">
+            <a:avLst/>
+          </a:prstGeom>
+        </p:spPr>
+        <p:style>
+          <a:lnRef idx="1">
+            <a:schemeClr val="accent5"/>
+          </a:lnRef>
+          <a:fillRef idx="2">
+            <a:schemeClr val="accent5"/>
+          </a:fillRef>
+          <a:effectRef idx="1">
+            <a:schemeClr val="accent5"/>
+          </a:effectRef>
+          <a:fontRef idx="minor">
+            <a:schemeClr val="dk1"/>
+          </a:fontRef>
+        </p:style>
+        <p:txBody>
+          <a:bodyPr rtlCol="0" anchor="ctr"/>
+          <a:lstStyle/>
+          <a:p>
+            <a:pPr algn="ctr"/>
+            <a:r>
+              <a:rPr lang="en-US" sz="1400" dirty="0">
+                <a:solidFill>
+                  <a:schemeClr val="accent1">
+                    <a:lumMod val="75000"/>
+                  </a:schemeClr>
+                </a:solidFill>
+              </a:rPr>
+              <a:t>Representation</a:t>
+            </a:r>
+          </a:p>
+        </p:txBody>
+      </p:sp>
+      <p:cxnSp>
+        <p:nvCxnSpPr>
+          <p:cNvPr id="19" name="Straight Arrow Connector 18">
+            <a:extLst>
+              <a:ext uri="{FF2B5EF4-FFF2-40B4-BE49-F238E27FC236}">
+                <a16:creationId xmlns:a16="http://schemas.microsoft.com/office/drawing/2014/main" id="{DD5C9C22-3DF5-4BE3-A3BE-58DBB7D625D2}"/>
+              </a:ext>
+            </a:extLst>
+          </p:cNvPr>
+          <p:cNvCxnSpPr>
+            <a:cxnSpLocks/>
+            <a:stCxn id="17" idx="2"/>
+          </p:cNvCxnSpPr>
+          <p:nvPr/>
+        </p:nvCxnSpPr>
+        <p:spPr>
+          <a:xfrm flipH="1">
+            <a:off x="7877262" y="4719183"/>
+            <a:ext cx="958443" cy="465213"/>
+          </a:xfrm>
+          <a:prstGeom prst="straightConnector1">
+            <a:avLst/>
+          </a:prstGeom>
+          <a:ln>
+            <a:tailEnd type="triangle"/>
+          </a:ln>
+        </p:spPr>
+        <p:style>
+          <a:lnRef idx="1">
+            <a:schemeClr val="accent1"/>
+          </a:lnRef>
+          <a:fillRef idx="0">
+            <a:schemeClr val="accent1"/>
+          </a:fillRef>
+          <a:effectRef idx="0">
+            <a:schemeClr val="accent1"/>
+          </a:effectRef>
+          <a:fontRef idx="minor">
+            <a:schemeClr val="tx1"/>
+          </a:fontRef>
+        </p:style>
+      </p:cxnSp>
+      <p:cxnSp>
+        <p:nvCxnSpPr>
+          <p:cNvPr id="21" name="Straight Arrow Connector 20">
+            <a:extLst>
+              <a:ext uri="{FF2B5EF4-FFF2-40B4-BE49-F238E27FC236}">
+                <a16:creationId xmlns:a16="http://schemas.microsoft.com/office/drawing/2014/main" id="{FC139BF8-10DB-4E9A-8713-15526B6A2CF2}"/>
+              </a:ext>
+            </a:extLst>
+          </p:cNvPr>
+          <p:cNvCxnSpPr>
+            <a:stCxn id="17" idx="2"/>
+          </p:cNvCxnSpPr>
+          <p:nvPr/>
+        </p:nvCxnSpPr>
+        <p:spPr>
+          <a:xfrm>
+            <a:off x="8835705" y="4719183"/>
+            <a:ext cx="987802" cy="465213"/>
+          </a:xfrm>
+          <a:prstGeom prst="straightConnector1">
+            <a:avLst/>
+          </a:prstGeom>
+          <a:ln>
+            <a:tailEnd type="triangle"/>
+          </a:ln>
+        </p:spPr>
+        <p:style>
+          <a:lnRef idx="1">
+            <a:schemeClr val="accent1"/>
+          </a:lnRef>
+          <a:fillRef idx="0">
+            <a:schemeClr val="accent1"/>
+          </a:fillRef>
+          <a:effectRef idx="0">
+            <a:schemeClr val="accent1"/>
+          </a:effectRef>
+          <a:fontRef idx="minor">
+            <a:schemeClr val="tx1"/>
+          </a:fontRef>
+        </p:style>
+      </p:cxnSp>
+      <p:sp>
+        <p:nvSpPr>
+          <p:cNvPr id="23" name="TextBox 22">
+            <a:extLst>
+              <a:ext uri="{FF2B5EF4-FFF2-40B4-BE49-F238E27FC236}">
+                <a16:creationId xmlns:a16="http://schemas.microsoft.com/office/drawing/2014/main" id="{6FEA1D9D-84E6-4BAB-A15C-AD527BCD237D}"/>
+              </a:ext>
+            </a:extLst>
+          </p:cNvPr>
+          <p:cNvSpPr txBox="1"/>
+          <p:nvPr/>
+        </p:nvSpPr>
+        <p:spPr>
+          <a:xfrm>
+            <a:off x="7501854" y="5226233"/>
+            <a:ext cx="853582" cy="369332"/>
+          </a:xfrm>
+          <a:prstGeom prst="rect">
+            <a:avLst/>
+          </a:prstGeom>
+          <a:noFill/>
+        </p:spPr>
+        <p:txBody>
+          <a:bodyPr wrap="square" rtlCol="0">
+            <a:spAutoFit/>
+          </a:bodyPr>
+          <a:lstStyle/>
+          <a:p>
+            <a:r>
+              <a:rPr lang="en-US" dirty="0">
+                <a:solidFill>
+                  <a:schemeClr val="accent1">
+                    <a:lumMod val="75000"/>
+                  </a:schemeClr>
+                </a:solidFill>
+              </a:rPr>
+              <a:t>Vector</a:t>
+            </a:r>
+          </a:p>
+        </p:txBody>
+      </p:sp>
+      <p:sp>
+        <p:nvSpPr>
+          <p:cNvPr id="24" name="TextBox 23">
+            <a:extLst>
+              <a:ext uri="{FF2B5EF4-FFF2-40B4-BE49-F238E27FC236}">
+                <a16:creationId xmlns:a16="http://schemas.microsoft.com/office/drawing/2014/main" id="{B3B20346-C521-4A83-BD54-FB9B0382B7FF}"/>
+              </a:ext>
+            </a:extLst>
+          </p:cNvPr>
+          <p:cNvSpPr txBox="1"/>
+          <p:nvPr/>
+        </p:nvSpPr>
+        <p:spPr>
+          <a:xfrm>
+            <a:off x="8638560" y="5229153"/>
+            <a:ext cx="853582" cy="369332"/>
+          </a:xfrm>
+          <a:prstGeom prst="rect">
+            <a:avLst/>
+          </a:prstGeom>
+          <a:noFill/>
+        </p:spPr>
+        <p:txBody>
+          <a:bodyPr wrap="square" rtlCol="0">
+            <a:spAutoFit/>
+          </a:bodyPr>
+          <a:lstStyle/>
+          <a:p>
+            <a:r>
+              <a:rPr lang="en-US" dirty="0">
+                <a:solidFill>
+                  <a:schemeClr val="accent1">
+                    <a:lumMod val="75000"/>
+                  </a:schemeClr>
+                </a:solidFill>
+              </a:rPr>
+              <a:t>…</a:t>
+            </a:r>
+          </a:p>
+        </p:txBody>
+      </p:sp>
+      <p:sp>
+        <p:nvSpPr>
+          <p:cNvPr id="25" name="TextBox 24">
+            <a:extLst>
+              <a:ext uri="{FF2B5EF4-FFF2-40B4-BE49-F238E27FC236}">
+                <a16:creationId xmlns:a16="http://schemas.microsoft.com/office/drawing/2014/main" id="{B7ADDB43-6DBB-40BE-981B-DA44D9A38B53}"/>
+              </a:ext>
+            </a:extLst>
+          </p:cNvPr>
+          <p:cNvSpPr txBox="1"/>
+          <p:nvPr/>
+        </p:nvSpPr>
+        <p:spPr>
+          <a:xfrm>
+            <a:off x="9466975" y="5239647"/>
+            <a:ext cx="853582" cy="369332"/>
+          </a:xfrm>
+          <a:prstGeom prst="rect">
+            <a:avLst/>
+          </a:prstGeom>
+          <a:noFill/>
+        </p:spPr>
+        <p:txBody>
+          <a:bodyPr wrap="square" rtlCol="0">
+            <a:spAutoFit/>
+          </a:bodyPr>
+          <a:lstStyle/>
+          <a:p>
+            <a:r>
+              <a:rPr lang="en-US" dirty="0">
+                <a:solidFill>
+                  <a:schemeClr val="accent1">
+                    <a:lumMod val="75000"/>
+                  </a:schemeClr>
+                </a:solidFill>
+              </a:rPr>
+              <a:t>Graph</a:t>
+            </a:r>
+          </a:p>
+        </p:txBody>
+      </p:sp>
+      <p:cxnSp>
+        <p:nvCxnSpPr>
+          <p:cNvPr id="27" name="Straight Arrow Connector 26">
+            <a:extLst>
+              <a:ext uri="{FF2B5EF4-FFF2-40B4-BE49-F238E27FC236}">
+                <a16:creationId xmlns:a16="http://schemas.microsoft.com/office/drawing/2014/main" id="{F7E7F490-E2E2-4DB2-B833-F3D8259DF151}"/>
+              </a:ext>
+            </a:extLst>
+          </p:cNvPr>
+          <p:cNvCxnSpPr>
+            <a:cxnSpLocks/>
+            <a:stCxn id="17" idx="2"/>
+          </p:cNvCxnSpPr>
+          <p:nvPr/>
+        </p:nvCxnSpPr>
+        <p:spPr>
+          <a:xfrm flipH="1">
+            <a:off x="8788608" y="4719183"/>
+            <a:ext cx="47097" cy="507050"/>
+          </a:xfrm>
+          <a:prstGeom prst="straightConnector1">
+            <a:avLst/>
+          </a:prstGeom>
+          <a:ln>
+            <a:tailEnd type="triangle"/>
+          </a:ln>
+        </p:spPr>
+        <p:style>
+          <a:lnRef idx="1">
+            <a:schemeClr val="accent1"/>
+          </a:lnRef>
+          <a:fillRef idx="0">
+            <a:schemeClr val="accent1"/>
+          </a:fillRef>
+          <a:effectRef idx="0">
+            <a:schemeClr val="accent1"/>
+          </a:effectRef>
+          <a:fontRef idx="minor">
+            <a:schemeClr val="tx1"/>
+          </a:fontRef>
+        </p:style>
+      </p:cxnSp>
+    </p:spTree>
+    <p:extLst>
+      <p:ext uri="{BB962C8B-B14F-4D97-AF65-F5344CB8AC3E}">
+        <p14:creationId xmlns:p14="http://schemas.microsoft.com/office/powerpoint/2010/main" val="3169054629"/>
+      </p:ext>
+    </p:extLst>
+  </p:cSld>
+  <p:clrMapOvr>
+    <a:masterClrMapping/>
+  </p:clrMapOvr>
+</p:sld>
+</file>
+
 <file path=ppt/slides/slide3.xml><?xml version="1.0" encoding="utf-8"?>
 <p:sld xmlns:a="http://schemas.openxmlformats.org/drawingml/2006/main" xmlns:r="http://schemas.openxmlformats.org/officeDocument/2006/relationships" xmlns:p="http://schemas.openxmlformats.org/presentationml/2006/main">
   <p:cSld>

--- a/CW2/Text Summarization.pptx
+++ b/CW2/Text Summarization.pptx
@@ -28,6 +28,7 @@
     <p:sldId id="279" r:id="rId22"/>
     <p:sldId id="280" r:id="rId23"/>
     <p:sldId id="281" r:id="rId24"/>
+    <p:sldId id="282" r:id="rId25"/>
   </p:sldIdLst>
   <p:sldSz cx="12192000" cy="6858000"/>
   <p:notesSz cx="6858000" cy="9144000"/>
@@ -8349,579 +8350,6 @@
           </a:p>
         </p:txBody>
       </p:sp>
-      <p:sp>
-        <p:nvSpPr>
-          <p:cNvPr id="8" name="Flowchart: Multidocument 7">
-            <a:extLst>
-              <a:ext uri="{FF2B5EF4-FFF2-40B4-BE49-F238E27FC236}">
-                <a16:creationId xmlns:a16="http://schemas.microsoft.com/office/drawing/2014/main" id="{44785482-9616-4266-9C6D-1E579219ACBD}"/>
-              </a:ext>
-            </a:extLst>
-          </p:cNvPr>
-          <p:cNvSpPr/>
-          <p:nvPr/>
-        </p:nvSpPr>
-        <p:spPr>
-          <a:xfrm>
-            <a:off x="5990505" y="3116418"/>
-            <a:ext cx="793272" cy="1207459"/>
-          </a:xfrm>
-          <a:prstGeom prst="flowChartMultidocument">
-            <a:avLst/>
-          </a:prstGeom>
-        </p:spPr>
-        <p:style>
-          <a:lnRef idx="1">
-            <a:schemeClr val="accent5"/>
-          </a:lnRef>
-          <a:fillRef idx="2">
-            <a:schemeClr val="accent5"/>
-          </a:fillRef>
-          <a:effectRef idx="1">
-            <a:schemeClr val="accent5"/>
-          </a:effectRef>
-          <a:fontRef idx="minor">
-            <a:schemeClr val="dk1"/>
-          </a:fontRef>
-        </p:style>
-        <p:txBody>
-          <a:bodyPr rtlCol="0" anchor="ctr"/>
-          <a:lstStyle/>
-          <a:p>
-            <a:pPr algn="ctr"/>
-            <a:r>
-              <a:rPr lang="en-US" sz="1100" u="sng" dirty="0">
-                <a:solidFill>
-                  <a:schemeClr val="accent1">
-                    <a:lumMod val="50000"/>
-                  </a:schemeClr>
-                </a:solidFill>
-              </a:rPr>
-              <a:t>Article</a:t>
-            </a:r>
-            <a:endParaRPr lang="en-US" sz="1400" dirty="0">
-              <a:solidFill>
-                <a:schemeClr val="accent1">
-                  <a:lumMod val="50000"/>
-                </a:schemeClr>
-              </a:solidFill>
-            </a:endParaRPr>
-          </a:p>
-        </p:txBody>
-      </p:sp>
-      <p:sp>
-        <p:nvSpPr>
-          <p:cNvPr id="5" name="Arrow: Right 4">
-            <a:extLst>
-              <a:ext uri="{FF2B5EF4-FFF2-40B4-BE49-F238E27FC236}">
-                <a16:creationId xmlns:a16="http://schemas.microsoft.com/office/drawing/2014/main" id="{83B4CE64-BFF1-4E56-930E-ECA638D7CC90}"/>
-              </a:ext>
-            </a:extLst>
-          </p:cNvPr>
-          <p:cNvSpPr/>
-          <p:nvPr/>
-        </p:nvSpPr>
-        <p:spPr>
-          <a:xfrm>
-            <a:off x="7043835" y="3498209"/>
-            <a:ext cx="662730" cy="335560"/>
-          </a:xfrm>
-          <a:prstGeom prst="rightArrow">
-            <a:avLst/>
-          </a:prstGeom>
-        </p:spPr>
-        <p:style>
-          <a:lnRef idx="1">
-            <a:schemeClr val="accent4"/>
-          </a:lnRef>
-          <a:fillRef idx="2">
-            <a:schemeClr val="accent4"/>
-          </a:fillRef>
-          <a:effectRef idx="1">
-            <a:schemeClr val="accent4"/>
-          </a:effectRef>
-          <a:fontRef idx="minor">
-            <a:schemeClr val="dk1"/>
-          </a:fontRef>
-        </p:style>
-        <p:txBody>
-          <a:bodyPr rtlCol="0" anchor="ctr"/>
-          <a:lstStyle/>
-          <a:p>
-            <a:pPr algn="ctr"/>
-            <a:endParaRPr lang="en-US"/>
-          </a:p>
-        </p:txBody>
-      </p:sp>
-      <p:sp>
-        <p:nvSpPr>
-          <p:cNvPr id="6" name="Rectangle 5">
-            <a:extLst>
-              <a:ext uri="{FF2B5EF4-FFF2-40B4-BE49-F238E27FC236}">
-                <a16:creationId xmlns:a16="http://schemas.microsoft.com/office/drawing/2014/main" id="{D6D33061-E9CD-4A5D-8A6C-B9FDA76B5E60}"/>
-              </a:ext>
-            </a:extLst>
-          </p:cNvPr>
-          <p:cNvSpPr/>
-          <p:nvPr/>
-        </p:nvSpPr>
-        <p:spPr>
-          <a:xfrm>
-            <a:off x="7899511" y="3377657"/>
-            <a:ext cx="1031845" cy="576663"/>
-          </a:xfrm>
-          <a:prstGeom prst="rect">
-            <a:avLst/>
-          </a:prstGeom>
-        </p:spPr>
-        <p:style>
-          <a:lnRef idx="1">
-            <a:schemeClr val="accent5"/>
-          </a:lnRef>
-          <a:fillRef idx="2">
-            <a:schemeClr val="accent5"/>
-          </a:fillRef>
-          <a:effectRef idx="1">
-            <a:schemeClr val="accent5"/>
-          </a:effectRef>
-          <a:fontRef idx="minor">
-            <a:schemeClr val="dk1"/>
-          </a:fontRef>
-        </p:style>
-        <p:txBody>
-          <a:bodyPr rtlCol="0" anchor="ctr"/>
-          <a:lstStyle/>
-          <a:p>
-            <a:pPr algn="ctr"/>
-            <a:r>
-              <a:rPr lang="en-US" sz="1400" dirty="0">
-                <a:solidFill>
-                  <a:schemeClr val="accent1">
-                    <a:lumMod val="75000"/>
-                  </a:schemeClr>
-                </a:solidFill>
-              </a:rPr>
-              <a:t>Text</a:t>
-            </a:r>
-          </a:p>
-        </p:txBody>
-      </p:sp>
-      <p:sp>
-        <p:nvSpPr>
-          <p:cNvPr id="11" name="Arrow: Right 10">
-            <a:extLst>
-              <a:ext uri="{FF2B5EF4-FFF2-40B4-BE49-F238E27FC236}">
-                <a16:creationId xmlns:a16="http://schemas.microsoft.com/office/drawing/2014/main" id="{69DE8E4A-E4E9-44F4-9F12-70C7A5CB7E46}"/>
-              </a:ext>
-            </a:extLst>
-          </p:cNvPr>
-          <p:cNvSpPr/>
-          <p:nvPr/>
-        </p:nvSpPr>
-        <p:spPr>
-          <a:xfrm>
-            <a:off x="9115914" y="3498209"/>
-            <a:ext cx="662730" cy="335560"/>
-          </a:xfrm>
-          <a:prstGeom prst="rightArrow">
-            <a:avLst/>
-          </a:prstGeom>
-        </p:spPr>
-        <p:style>
-          <a:lnRef idx="1">
-            <a:schemeClr val="accent4"/>
-          </a:lnRef>
-          <a:fillRef idx="2">
-            <a:schemeClr val="accent4"/>
-          </a:fillRef>
-          <a:effectRef idx="1">
-            <a:schemeClr val="accent4"/>
-          </a:effectRef>
-          <a:fontRef idx="minor">
-            <a:schemeClr val="dk1"/>
-          </a:fontRef>
-        </p:style>
-        <p:txBody>
-          <a:bodyPr rtlCol="0" anchor="ctr"/>
-          <a:lstStyle/>
-          <a:p>
-            <a:pPr algn="ctr"/>
-            <a:endParaRPr lang="en-US"/>
-          </a:p>
-        </p:txBody>
-      </p:sp>
-      <p:sp>
-        <p:nvSpPr>
-          <p:cNvPr id="12" name="Rectangle 11">
-            <a:extLst>
-              <a:ext uri="{FF2B5EF4-FFF2-40B4-BE49-F238E27FC236}">
-                <a16:creationId xmlns:a16="http://schemas.microsoft.com/office/drawing/2014/main" id="{B76FED68-76A2-4148-B961-CD72CFF8D7D3}"/>
-              </a:ext>
-            </a:extLst>
-          </p:cNvPr>
-          <p:cNvSpPr/>
-          <p:nvPr/>
-        </p:nvSpPr>
-        <p:spPr>
-          <a:xfrm>
-            <a:off x="9912869" y="3377656"/>
-            <a:ext cx="1031845" cy="576663"/>
-          </a:xfrm>
-          <a:prstGeom prst="rect">
-            <a:avLst/>
-          </a:prstGeom>
-        </p:spPr>
-        <p:style>
-          <a:lnRef idx="1">
-            <a:schemeClr val="accent5"/>
-          </a:lnRef>
-          <a:fillRef idx="2">
-            <a:schemeClr val="accent5"/>
-          </a:fillRef>
-          <a:effectRef idx="1">
-            <a:schemeClr val="accent5"/>
-          </a:effectRef>
-          <a:fontRef idx="minor">
-            <a:schemeClr val="dk1"/>
-          </a:fontRef>
-        </p:style>
-        <p:txBody>
-          <a:bodyPr rtlCol="0" anchor="ctr"/>
-          <a:lstStyle/>
-          <a:p>
-            <a:pPr algn="ctr"/>
-            <a:r>
-              <a:rPr lang="en-US" sz="1400" dirty="0">
-                <a:solidFill>
-                  <a:schemeClr val="accent1">
-                    <a:lumMod val="75000"/>
-                  </a:schemeClr>
-                </a:solidFill>
-              </a:rPr>
-              <a:t>Sentences</a:t>
-            </a:r>
-          </a:p>
-        </p:txBody>
-      </p:sp>
-      <p:sp>
-        <p:nvSpPr>
-          <p:cNvPr id="13" name="Arrow: Curved Left 12">
-            <a:extLst>
-              <a:ext uri="{FF2B5EF4-FFF2-40B4-BE49-F238E27FC236}">
-                <a16:creationId xmlns:a16="http://schemas.microsoft.com/office/drawing/2014/main" id="{95CA285C-C4CC-4AAD-94EC-2E412780ACA6}"/>
-              </a:ext>
-            </a:extLst>
-          </p:cNvPr>
-          <p:cNvSpPr/>
-          <p:nvPr/>
-        </p:nvSpPr>
-        <p:spPr>
-          <a:xfrm>
-            <a:off x="11078939" y="3632433"/>
-            <a:ext cx="443399" cy="1295173"/>
-          </a:xfrm>
-          <a:prstGeom prst="curvedLeftArrow">
-            <a:avLst/>
-          </a:prstGeom>
-        </p:spPr>
-        <p:style>
-          <a:lnRef idx="1">
-            <a:schemeClr val="accent4"/>
-          </a:lnRef>
-          <a:fillRef idx="2">
-            <a:schemeClr val="accent4"/>
-          </a:fillRef>
-          <a:effectRef idx="1">
-            <a:schemeClr val="accent4"/>
-          </a:effectRef>
-          <a:fontRef idx="minor">
-            <a:schemeClr val="dk1"/>
-          </a:fontRef>
-        </p:style>
-        <p:txBody>
-          <a:bodyPr rtlCol="0" anchor="ctr"/>
-          <a:lstStyle/>
-          <a:p>
-            <a:pPr algn="ctr"/>
-            <a:endParaRPr lang="en-US">
-              <a:solidFill>
-                <a:schemeClr val="tx1"/>
-              </a:solidFill>
-            </a:endParaRPr>
-          </a:p>
-        </p:txBody>
-      </p:sp>
-      <p:sp>
-        <p:nvSpPr>
-          <p:cNvPr id="14" name="Rectangle 13">
-            <a:extLst>
-              <a:ext uri="{FF2B5EF4-FFF2-40B4-BE49-F238E27FC236}">
-                <a16:creationId xmlns:a16="http://schemas.microsoft.com/office/drawing/2014/main" id="{5194B3C2-A799-479C-AFDE-FE300EA57DAF}"/>
-              </a:ext>
-            </a:extLst>
-          </p:cNvPr>
-          <p:cNvSpPr/>
-          <p:nvPr/>
-        </p:nvSpPr>
-        <p:spPr>
-          <a:xfrm>
-            <a:off x="9912868" y="4535338"/>
-            <a:ext cx="1031845" cy="576663"/>
-          </a:xfrm>
-          <a:prstGeom prst="rect">
-            <a:avLst/>
-          </a:prstGeom>
-        </p:spPr>
-        <p:style>
-          <a:lnRef idx="1">
-            <a:schemeClr val="accent5"/>
-          </a:lnRef>
-          <a:fillRef idx="2">
-            <a:schemeClr val="accent5"/>
-          </a:fillRef>
-          <a:effectRef idx="1">
-            <a:schemeClr val="accent5"/>
-          </a:effectRef>
-          <a:fontRef idx="minor">
-            <a:schemeClr val="dk1"/>
-          </a:fontRef>
-        </p:style>
-        <p:txBody>
-          <a:bodyPr rtlCol="0" anchor="ctr"/>
-          <a:lstStyle/>
-          <a:p>
-            <a:pPr algn="ctr"/>
-            <a:r>
-              <a:rPr lang="en-US" sz="1400" dirty="0">
-                <a:solidFill>
-                  <a:schemeClr val="accent1">
-                    <a:lumMod val="75000"/>
-                  </a:schemeClr>
-                </a:solidFill>
-              </a:rPr>
-              <a:t>Words</a:t>
-            </a:r>
-          </a:p>
-        </p:txBody>
-      </p:sp>
-      <p:sp>
-        <p:nvSpPr>
-          <p:cNvPr id="23" name="Arrow: Right 22">
-            <a:extLst>
-              <a:ext uri="{FF2B5EF4-FFF2-40B4-BE49-F238E27FC236}">
-                <a16:creationId xmlns:a16="http://schemas.microsoft.com/office/drawing/2014/main" id="{3367AF26-549D-465E-A231-D1260EFD28A2}"/>
-              </a:ext>
-            </a:extLst>
-          </p:cNvPr>
-          <p:cNvSpPr/>
-          <p:nvPr/>
-        </p:nvSpPr>
-        <p:spPr>
-          <a:xfrm rot="10800000">
-            <a:off x="9115914" y="4655889"/>
-            <a:ext cx="662730" cy="335560"/>
-          </a:xfrm>
-          <a:prstGeom prst="rightArrow">
-            <a:avLst/>
-          </a:prstGeom>
-        </p:spPr>
-        <p:style>
-          <a:lnRef idx="1">
-            <a:schemeClr val="accent4"/>
-          </a:lnRef>
-          <a:fillRef idx="2">
-            <a:schemeClr val="accent4"/>
-          </a:fillRef>
-          <a:effectRef idx="1">
-            <a:schemeClr val="accent4"/>
-          </a:effectRef>
-          <a:fontRef idx="minor">
-            <a:schemeClr val="dk1"/>
-          </a:fontRef>
-        </p:style>
-        <p:txBody>
-          <a:bodyPr rtlCol="0" anchor="ctr"/>
-          <a:lstStyle/>
-          <a:p>
-            <a:pPr algn="ctr"/>
-            <a:endParaRPr lang="en-US"/>
-          </a:p>
-        </p:txBody>
-      </p:sp>
-      <p:sp>
-        <p:nvSpPr>
-          <p:cNvPr id="24" name="Rectangle 23">
-            <a:extLst>
-              <a:ext uri="{FF2B5EF4-FFF2-40B4-BE49-F238E27FC236}">
-                <a16:creationId xmlns:a16="http://schemas.microsoft.com/office/drawing/2014/main" id="{0D04BEFB-228D-413F-8684-7C3EB65F1FF3}"/>
-              </a:ext>
-            </a:extLst>
-          </p:cNvPr>
-          <p:cNvSpPr/>
-          <p:nvPr/>
-        </p:nvSpPr>
-        <p:spPr>
-          <a:xfrm>
-            <a:off x="7899511" y="4535338"/>
-            <a:ext cx="1031845" cy="576663"/>
-          </a:xfrm>
-          <a:prstGeom prst="rect">
-            <a:avLst/>
-          </a:prstGeom>
-        </p:spPr>
-        <p:style>
-          <a:lnRef idx="1">
-            <a:schemeClr val="accent5"/>
-          </a:lnRef>
-          <a:fillRef idx="2">
-            <a:schemeClr val="accent5"/>
-          </a:fillRef>
-          <a:effectRef idx="1">
-            <a:schemeClr val="accent5"/>
-          </a:effectRef>
-          <a:fontRef idx="minor">
-            <a:schemeClr val="dk1"/>
-          </a:fontRef>
-        </p:style>
-        <p:txBody>
-          <a:bodyPr rtlCol="0" anchor="ctr"/>
-          <a:lstStyle/>
-          <a:p>
-            <a:pPr algn="ctr"/>
-            <a:r>
-              <a:rPr lang="en-US" sz="1100" dirty="0">
-                <a:solidFill>
-                  <a:schemeClr val="accent1">
-                    <a:lumMod val="75000"/>
-                  </a:schemeClr>
-                </a:solidFill>
-              </a:rPr>
-              <a:t>Stop word Remove</a:t>
-            </a:r>
-            <a:endParaRPr lang="en-US" sz="1400" dirty="0">
-              <a:solidFill>
-                <a:schemeClr val="accent1">
-                  <a:lumMod val="75000"/>
-                </a:schemeClr>
-              </a:solidFill>
-            </a:endParaRPr>
-          </a:p>
-        </p:txBody>
-      </p:sp>
-      <p:sp>
-        <p:nvSpPr>
-          <p:cNvPr id="25" name="Arrow: Right 24">
-            <a:extLst>
-              <a:ext uri="{FF2B5EF4-FFF2-40B4-BE49-F238E27FC236}">
-                <a16:creationId xmlns:a16="http://schemas.microsoft.com/office/drawing/2014/main" id="{FD131133-06C0-485E-8F15-889B504EBE78}"/>
-              </a:ext>
-            </a:extLst>
-          </p:cNvPr>
-          <p:cNvSpPr/>
-          <p:nvPr/>
-        </p:nvSpPr>
-        <p:spPr>
-          <a:xfrm rot="10800000">
-            <a:off x="7022862" y="4667139"/>
-            <a:ext cx="662730" cy="335560"/>
-          </a:xfrm>
-          <a:prstGeom prst="rightArrow">
-            <a:avLst/>
-          </a:prstGeom>
-        </p:spPr>
-        <p:style>
-          <a:lnRef idx="1">
-            <a:schemeClr val="accent4"/>
-          </a:lnRef>
-          <a:fillRef idx="2">
-            <a:schemeClr val="accent4"/>
-          </a:fillRef>
-          <a:effectRef idx="1">
-            <a:schemeClr val="accent4"/>
-          </a:effectRef>
-          <a:fontRef idx="minor">
-            <a:schemeClr val="dk1"/>
-          </a:fontRef>
-        </p:style>
-        <p:txBody>
-          <a:bodyPr rtlCol="0" anchor="ctr"/>
-          <a:lstStyle/>
-          <a:p>
-            <a:pPr algn="ctr"/>
-            <a:endParaRPr lang="en-US"/>
-          </a:p>
-        </p:txBody>
-      </p:sp>
-      <p:sp>
-        <p:nvSpPr>
-          <p:cNvPr id="26" name="Rectangle 25">
-            <a:extLst>
-              <a:ext uri="{FF2B5EF4-FFF2-40B4-BE49-F238E27FC236}">
-                <a16:creationId xmlns:a16="http://schemas.microsoft.com/office/drawing/2014/main" id="{D534C554-FB5D-4574-80DC-451153627592}"/>
-              </a:ext>
-            </a:extLst>
-          </p:cNvPr>
-          <p:cNvSpPr/>
-          <p:nvPr/>
-        </p:nvSpPr>
-        <p:spPr>
-          <a:xfrm>
-            <a:off x="5806459" y="4546588"/>
-            <a:ext cx="1031845" cy="576663"/>
-          </a:xfrm>
-          <a:prstGeom prst="rect">
-            <a:avLst/>
-          </a:prstGeom>
-        </p:spPr>
-        <p:style>
-          <a:lnRef idx="1">
-            <a:schemeClr val="accent5"/>
-          </a:lnRef>
-          <a:fillRef idx="2">
-            <a:schemeClr val="accent5"/>
-          </a:fillRef>
-          <a:effectRef idx="1">
-            <a:schemeClr val="accent5"/>
-          </a:effectRef>
-          <a:fontRef idx="minor">
-            <a:schemeClr val="dk1"/>
-          </a:fontRef>
-        </p:style>
-        <p:txBody>
-          <a:bodyPr rtlCol="0" anchor="ctr"/>
-          <a:lstStyle/>
-          <a:p>
-            <a:pPr algn="ctr"/>
-            <a:r>
-              <a:rPr lang="en-US" sz="1100" dirty="0">
-                <a:solidFill>
-                  <a:schemeClr val="accent1">
-                    <a:lumMod val="75000"/>
-                  </a:schemeClr>
-                </a:solidFill>
-              </a:rPr>
-              <a:t>Stem/</a:t>
-            </a:r>
-            <a:r>
-              <a:rPr lang="en-US" sz="1100" dirty="0" err="1">
-                <a:solidFill>
-                  <a:schemeClr val="accent1">
-                    <a:lumMod val="75000"/>
-                  </a:schemeClr>
-                </a:solidFill>
-              </a:rPr>
-              <a:t>Lemm</a:t>
-            </a:r>
-            <a:endParaRPr lang="en-US" sz="1400" dirty="0">
-              <a:solidFill>
-                <a:schemeClr val="accent1">
-                  <a:lumMod val="75000"/>
-                </a:schemeClr>
-              </a:solidFill>
-            </a:endParaRPr>
-          </a:p>
-        </p:txBody>
-      </p:sp>
     </p:spTree>
     <p:extLst>
       <p:ext uri="{BB962C8B-B14F-4D97-AF65-F5344CB8AC3E}">
@@ -9052,27 +8480,7 @@
                   </a:schemeClr>
                 </a:solidFill>
               </a:rPr>
-              <a:t>1. </a:t>
-            </a:r>
-            <a:r>
-              <a:rPr lang="en-GB" sz="2400" dirty="0" err="1">
-                <a:solidFill>
-                  <a:schemeClr val="tx2">
-                    <a:lumMod val="75000"/>
-                  </a:schemeClr>
-                </a:solidFill>
-              </a:rPr>
-              <a:t>Frequencybased</a:t>
-            </a:r>
-            <a:r>
-              <a:rPr lang="en-GB" sz="2400" dirty="0">
-                <a:solidFill>
-                  <a:schemeClr val="tx2">
-                    <a:lumMod val="75000"/>
-                  </a:schemeClr>
-                </a:solidFill>
-              </a:rPr>
-              <a:t> representation</a:t>
+              <a:t>1. A chain of thee selected Neural networks (Node) are linked together</a:t>
             </a:r>
           </a:p>
           <a:p>
@@ -9087,7 +8495,7 @@
                   </a:schemeClr>
                 </a:solidFill>
               </a:rPr>
-              <a:t>2. Semantic similarity representation</a:t>
+              <a:t>2. Each node takes an initialization value and the next word in the sentence.</a:t>
             </a:r>
           </a:p>
           <a:p>
@@ -9102,24 +8510,14 @@
                   </a:schemeClr>
                 </a:solidFill>
               </a:rPr>
-              <a:t>3. Vector similarity representation</a:t>
+              <a:t>3. The nodes feed their outputs as the initialization value for the next node.</a:t>
             </a:r>
           </a:p>
           <a:p>
             <a:pPr marL="0" indent="0">
               <a:buNone/>
             </a:pPr>
-            <a:r>
-              <a:rPr lang="en-GB" sz="2400" dirty="0">
-                <a:solidFill>
-                  <a:schemeClr val="tx2">
-                    <a:lumMod val="75000"/>
-                  </a:schemeClr>
-                </a:solidFill>
-              </a:rPr>
-              <a:t>4. Graph based representation</a:t>
-            </a:r>
-            <a:endParaRPr lang="en-US" sz="2400" dirty="0">
+            <a:endParaRPr lang="en-GB" sz="2400" dirty="0">
               <a:solidFill>
                 <a:schemeClr val="tx2">
                   <a:lumMod val="75000"/>
@@ -9127,7 +8525,119 @@
               </a:solidFill>
             </a:endParaRPr>
           </a:p>
-          <a:p>
+        </p:txBody>
+      </p:sp>
+    </p:spTree>
+    <p:extLst>
+      <p:ext uri="{BB962C8B-B14F-4D97-AF65-F5344CB8AC3E}">
+        <p14:creationId xmlns:p14="http://schemas.microsoft.com/office/powerpoint/2010/main" val="3169054629"/>
+      </p:ext>
+    </p:extLst>
+  </p:cSld>
+  <p:clrMapOvr>
+    <a:masterClrMapping/>
+  </p:clrMapOvr>
+</p:sld>
+</file>
+
+<file path=ppt/slides/slide24.xml><?xml version="1.0" encoding="utf-8"?>
+<p:sld xmlns:a="http://schemas.openxmlformats.org/drawingml/2006/main" xmlns:r="http://schemas.openxmlformats.org/officeDocument/2006/relationships" xmlns:p="http://schemas.openxmlformats.org/presentationml/2006/main">
+  <p:cSld>
+    <p:bg>
+      <p:bgPr>
+        <a:solidFill>
+          <a:schemeClr val="bg1"/>
+        </a:solidFill>
+        <a:effectLst/>
+      </p:bgPr>
+    </p:bg>
+    <p:spTree>
+      <p:nvGrpSpPr>
+        <p:cNvPr id="1" name=""/>
+        <p:cNvGrpSpPr/>
+        <p:nvPr/>
+      </p:nvGrpSpPr>
+      <p:grpSpPr>
+        <a:xfrm>
+          <a:off x="0" y="0"/>
+          <a:ext cx="0" cy="0"/>
+          <a:chOff x="0" y="0"/>
+          <a:chExt cx="0" cy="0"/>
+        </a:xfrm>
+      </p:grpSpPr>
+      <p:sp>
+        <p:nvSpPr>
+          <p:cNvPr id="2" name="Title 1">
+            <a:extLst>
+              <a:ext uri="{FF2B5EF4-FFF2-40B4-BE49-F238E27FC236}">
+                <a16:creationId xmlns:a16="http://schemas.microsoft.com/office/drawing/2014/main" id="{C4A394F7-2B73-418C-A0AB-5FCA96EC5615}"/>
+              </a:ext>
+            </a:extLst>
+          </p:cNvPr>
+          <p:cNvSpPr>
+            <a:spLocks noGrp="1"/>
+          </p:cNvSpPr>
+          <p:nvPr>
+            <p:ph type="title"/>
+          </p:nvPr>
+        </p:nvSpPr>
+        <p:spPr>
+          <a:xfrm>
+            <a:off x="648929" y="746712"/>
+            <a:ext cx="10340648" cy="1676603"/>
+          </a:xfrm>
+        </p:spPr>
+        <p:txBody>
+          <a:bodyPr>
+            <a:normAutofit/>
+          </a:bodyPr>
+          <a:lstStyle/>
+          <a:p>
+            <a:r>
+              <a:rPr lang="en-US" sz="3600" dirty="0">
+                <a:solidFill>
+                  <a:schemeClr val="tx2">
+                    <a:lumMod val="75000"/>
+                  </a:schemeClr>
+                </a:solidFill>
+                <a:latin typeface="Arial Black" panose="020B0A04020102020204" pitchFamily="34" charset="0"/>
+                <a:cs typeface="Aharoni" panose="020B0604020202020204" pitchFamily="2" charset="-79"/>
+              </a:rPr>
+              <a:t>Abstractive decoding (How it is done?)</a:t>
+            </a:r>
+          </a:p>
+        </p:txBody>
+      </p:sp>
+      <p:sp>
+        <p:nvSpPr>
+          <p:cNvPr id="3" name="Content Placeholder 2">
+            <a:extLst>
+              <a:ext uri="{FF2B5EF4-FFF2-40B4-BE49-F238E27FC236}">
+                <a16:creationId xmlns:a16="http://schemas.microsoft.com/office/drawing/2014/main" id="{5F0CF13F-E518-43EF-8499-752C6977D65A}"/>
+              </a:ext>
+            </a:extLst>
+          </p:cNvPr>
+          <p:cNvSpPr>
+            <a:spLocks noGrp="1"/>
+          </p:cNvSpPr>
+          <p:nvPr>
+            <p:ph idx="1"/>
+          </p:nvPr>
+        </p:nvSpPr>
+        <p:spPr>
+          <a:xfrm>
+            <a:off x="648929" y="2362414"/>
+            <a:ext cx="10515600" cy="3560213"/>
+          </a:xfrm>
+        </p:spPr>
+        <p:txBody>
+          <a:bodyPr/>
+          <a:lstStyle/>
+          <a:p>
+            <a:pPr marL="514350" indent="-514350">
+              <a:buFont typeface="+mj-lt"/>
+              <a:buAutoNum type="arabicPeriod"/>
+            </a:pPr>
             <a:endParaRPr lang="en-US" dirty="0">
               <a:solidFill>
                 <a:schemeClr val="tx2">
@@ -9136,615 +8646,117 @@
               </a:solidFill>
             </a:endParaRPr>
           </a:p>
-        </p:txBody>
-      </p:sp>
-      <p:sp>
-        <p:nvSpPr>
-          <p:cNvPr id="5" name="Flowchart: Multidocument 4">
-            <a:extLst>
-              <a:ext uri="{FF2B5EF4-FFF2-40B4-BE49-F238E27FC236}">
-                <a16:creationId xmlns:a16="http://schemas.microsoft.com/office/drawing/2014/main" id="{07F2EECB-6973-4693-8B46-8ED795C8D4EE}"/>
-              </a:ext>
-            </a:extLst>
-          </p:cNvPr>
-          <p:cNvSpPr/>
-          <p:nvPr/>
-        </p:nvSpPr>
-        <p:spPr>
-          <a:xfrm>
-            <a:off x="6035368" y="2879430"/>
-            <a:ext cx="793272" cy="1207459"/>
-          </a:xfrm>
-          <a:prstGeom prst="flowChartMultidocument">
-            <a:avLst/>
-          </a:prstGeom>
-        </p:spPr>
-        <p:style>
-          <a:lnRef idx="1">
-            <a:schemeClr val="accent5"/>
-          </a:lnRef>
-          <a:fillRef idx="2">
-            <a:schemeClr val="accent5"/>
-          </a:fillRef>
-          <a:effectRef idx="1">
-            <a:schemeClr val="accent5"/>
-          </a:effectRef>
-          <a:fontRef idx="minor">
-            <a:schemeClr val="dk1"/>
-          </a:fontRef>
-        </p:style>
-        <p:txBody>
-          <a:bodyPr rtlCol="0" anchor="ctr"/>
-          <a:lstStyle/>
-          <a:p>
-            <a:pPr algn="ctr"/>
-            <a:r>
-              <a:rPr lang="en-US" sz="1100" u="sng" dirty="0">
-                <a:solidFill>
-                  <a:schemeClr val="accent1">
-                    <a:lumMod val="50000"/>
-                  </a:schemeClr>
-                </a:solidFill>
-              </a:rPr>
-              <a:t>Article</a:t>
-            </a:r>
-            <a:endParaRPr lang="en-US" sz="1400" dirty="0">
+          <a:p>
+            <a:pPr marL="457200" indent="-457200">
+              <a:buFont typeface="+mj-lt"/>
+              <a:buAutoNum type="arabicPeriod"/>
+            </a:pPr>
+            <a:r>
+              <a:rPr lang="en-GB" sz="2400" dirty="0">
+                <a:solidFill>
+                  <a:schemeClr val="tx2">
+                    <a:lumMod val="75000"/>
+                  </a:schemeClr>
+                </a:solidFill>
+              </a:rPr>
+              <a:t>A chain of the selected Neural networks (Node) are linked together.</a:t>
+            </a:r>
+          </a:p>
+          <a:p>
+            <a:pPr marL="457200" indent="-457200">
+              <a:buFont typeface="+mj-lt"/>
+              <a:buAutoNum type="arabicPeriod"/>
+            </a:pPr>
+            <a:r>
+              <a:rPr lang="en-GB" sz="2400" dirty="0">
+                <a:solidFill>
+                  <a:schemeClr val="tx2">
+                    <a:lumMod val="75000"/>
+                  </a:schemeClr>
+                </a:solidFill>
+              </a:rPr>
+              <a:t>Each node takes the output initialization value of the encoder chain as the initialization value for the decoder.</a:t>
+            </a:r>
+          </a:p>
+          <a:p>
+            <a:pPr marL="457200" indent="-457200">
+              <a:buFont typeface="+mj-lt"/>
+              <a:buAutoNum type="arabicPeriod"/>
+            </a:pPr>
+            <a:r>
+              <a:rPr lang="en-GB" sz="2400" dirty="0">
+                <a:solidFill>
+                  <a:schemeClr val="tx2">
+                    <a:lumMod val="75000"/>
+                  </a:schemeClr>
+                </a:solidFill>
+              </a:rPr>
+              <a:t>The decoder is given a Start token and predicts the next token as its output. This predicted token is taken as the input for the next node.</a:t>
+            </a:r>
+          </a:p>
+          <a:p>
+            <a:pPr marL="457200" indent="-457200">
+              <a:buFont typeface="+mj-lt"/>
+              <a:buAutoNum type="arabicPeriod"/>
+            </a:pPr>
+            <a:r>
+              <a:rPr lang="en-GB" sz="2400" dirty="0">
+                <a:solidFill>
+                  <a:schemeClr val="tx2">
+                    <a:lumMod val="75000"/>
+                  </a:schemeClr>
+                </a:solidFill>
+              </a:rPr>
+              <a:t>The sentence is summarized when a defined end token or </a:t>
+            </a:r>
+            <a:r>
+              <a:rPr lang="en-GB" sz="2400">
+                <a:solidFill>
+                  <a:schemeClr val="tx2">
+                    <a:lumMod val="75000"/>
+                  </a:schemeClr>
+                </a:solidFill>
+              </a:rPr>
+              <a:t>word limit is reached. </a:t>
+            </a:r>
+            <a:endParaRPr lang="en-GB" sz="2400" dirty="0">
               <a:solidFill>
-                <a:schemeClr val="accent1">
-                  <a:lumMod val="50000"/>
+                <a:schemeClr val="tx2">
+                  <a:lumMod val="75000"/>
                 </a:schemeClr>
               </a:solidFill>
             </a:endParaRPr>
           </a:p>
-        </p:txBody>
-      </p:sp>
-      <p:sp>
-        <p:nvSpPr>
-          <p:cNvPr id="6" name="Arrow: Right 5">
-            <a:extLst>
-              <a:ext uri="{FF2B5EF4-FFF2-40B4-BE49-F238E27FC236}">
-                <a16:creationId xmlns:a16="http://schemas.microsoft.com/office/drawing/2014/main" id="{03C69B27-BA9F-4BF2-BE3E-BFFB8565040A}"/>
-              </a:ext>
-            </a:extLst>
-          </p:cNvPr>
-          <p:cNvSpPr/>
-          <p:nvPr/>
-        </p:nvSpPr>
-        <p:spPr>
-          <a:xfrm>
-            <a:off x="7088698" y="3261221"/>
-            <a:ext cx="662730" cy="335560"/>
-          </a:xfrm>
-          <a:prstGeom prst="rightArrow">
-            <a:avLst/>
-          </a:prstGeom>
-        </p:spPr>
-        <p:style>
-          <a:lnRef idx="1">
-            <a:schemeClr val="accent4"/>
-          </a:lnRef>
-          <a:fillRef idx="2">
-            <a:schemeClr val="accent4"/>
-          </a:fillRef>
-          <a:effectRef idx="1">
-            <a:schemeClr val="accent4"/>
-          </a:effectRef>
-          <a:fontRef idx="minor">
-            <a:schemeClr val="dk1"/>
-          </a:fontRef>
-        </p:style>
-        <p:txBody>
-          <a:bodyPr rtlCol="0" anchor="ctr"/>
-          <a:lstStyle/>
-          <a:p>
-            <a:pPr algn="ctr"/>
-            <a:endParaRPr lang="en-US"/>
-          </a:p>
-        </p:txBody>
-      </p:sp>
-      <p:sp>
-        <p:nvSpPr>
-          <p:cNvPr id="7" name="Rectangle 6">
-            <a:extLst>
-              <a:ext uri="{FF2B5EF4-FFF2-40B4-BE49-F238E27FC236}">
-                <a16:creationId xmlns:a16="http://schemas.microsoft.com/office/drawing/2014/main" id="{8DE00F9F-C1CA-406F-8755-3785381B7A58}"/>
-              </a:ext>
-            </a:extLst>
-          </p:cNvPr>
-          <p:cNvSpPr/>
-          <p:nvPr/>
-        </p:nvSpPr>
-        <p:spPr>
-          <a:xfrm>
-            <a:off x="7944374" y="3140669"/>
-            <a:ext cx="1031845" cy="576663"/>
-          </a:xfrm>
-          <a:prstGeom prst="rect">
-            <a:avLst/>
-          </a:prstGeom>
-        </p:spPr>
-        <p:style>
-          <a:lnRef idx="1">
-            <a:schemeClr val="accent5"/>
-          </a:lnRef>
-          <a:fillRef idx="2">
-            <a:schemeClr val="accent5"/>
-          </a:fillRef>
-          <a:effectRef idx="1">
-            <a:schemeClr val="accent5"/>
-          </a:effectRef>
-          <a:fontRef idx="minor">
-            <a:schemeClr val="dk1"/>
-          </a:fontRef>
-        </p:style>
-        <p:txBody>
-          <a:bodyPr rtlCol="0" anchor="ctr"/>
-          <a:lstStyle/>
-          <a:p>
-            <a:pPr algn="ctr"/>
-            <a:r>
-              <a:rPr lang="en-US" sz="1400" dirty="0">
-                <a:solidFill>
-                  <a:schemeClr val="accent1">
-                    <a:lumMod val="75000"/>
-                  </a:schemeClr>
-                </a:solidFill>
-              </a:rPr>
-              <a:t>Text</a:t>
-            </a:r>
-          </a:p>
-        </p:txBody>
-      </p:sp>
-      <p:sp>
-        <p:nvSpPr>
-          <p:cNvPr id="8" name="Arrow: Right 7">
-            <a:extLst>
-              <a:ext uri="{FF2B5EF4-FFF2-40B4-BE49-F238E27FC236}">
-                <a16:creationId xmlns:a16="http://schemas.microsoft.com/office/drawing/2014/main" id="{FE8E60C2-CEEA-4E8B-8E2D-B7B3FB3400FF}"/>
-              </a:ext>
-            </a:extLst>
-          </p:cNvPr>
-          <p:cNvSpPr/>
-          <p:nvPr/>
-        </p:nvSpPr>
-        <p:spPr>
-          <a:xfrm>
-            <a:off x="9160777" y="3261221"/>
-            <a:ext cx="662730" cy="335560"/>
-          </a:xfrm>
-          <a:prstGeom prst="rightArrow">
-            <a:avLst/>
-          </a:prstGeom>
-        </p:spPr>
-        <p:style>
-          <a:lnRef idx="1">
-            <a:schemeClr val="accent4"/>
-          </a:lnRef>
-          <a:fillRef idx="2">
-            <a:schemeClr val="accent4"/>
-          </a:fillRef>
-          <a:effectRef idx="1">
-            <a:schemeClr val="accent4"/>
-          </a:effectRef>
-          <a:fontRef idx="minor">
-            <a:schemeClr val="dk1"/>
-          </a:fontRef>
-        </p:style>
-        <p:txBody>
-          <a:bodyPr rtlCol="0" anchor="ctr"/>
-          <a:lstStyle/>
-          <a:p>
-            <a:pPr algn="ctr"/>
-            <a:endParaRPr lang="en-US"/>
-          </a:p>
-        </p:txBody>
-      </p:sp>
-      <p:sp>
-        <p:nvSpPr>
-          <p:cNvPr id="9" name="Rectangle 8">
-            <a:extLst>
-              <a:ext uri="{FF2B5EF4-FFF2-40B4-BE49-F238E27FC236}">
-                <a16:creationId xmlns:a16="http://schemas.microsoft.com/office/drawing/2014/main" id="{52EEC0C1-B06F-48B5-B459-F9A2C760852E}"/>
-              </a:ext>
-            </a:extLst>
-          </p:cNvPr>
-          <p:cNvSpPr/>
-          <p:nvPr/>
-        </p:nvSpPr>
-        <p:spPr>
-          <a:xfrm>
-            <a:off x="9957732" y="3140668"/>
-            <a:ext cx="1031845" cy="576663"/>
-          </a:xfrm>
-          <a:prstGeom prst="rect">
-            <a:avLst/>
-          </a:prstGeom>
-        </p:spPr>
-        <p:style>
-          <a:lnRef idx="1">
-            <a:schemeClr val="accent5"/>
-          </a:lnRef>
-          <a:fillRef idx="2">
-            <a:schemeClr val="accent5"/>
-          </a:fillRef>
-          <a:effectRef idx="1">
-            <a:schemeClr val="accent5"/>
-          </a:effectRef>
-          <a:fontRef idx="minor">
-            <a:schemeClr val="dk1"/>
-          </a:fontRef>
-        </p:style>
-        <p:txBody>
-          <a:bodyPr rtlCol="0" anchor="ctr"/>
-          <a:lstStyle/>
-          <a:p>
-            <a:pPr algn="ctr"/>
-            <a:r>
-              <a:rPr lang="en-US" sz="1400" dirty="0">
-                <a:solidFill>
-                  <a:schemeClr val="accent1">
-                    <a:lumMod val="75000"/>
-                  </a:schemeClr>
-                </a:solidFill>
-              </a:rPr>
-              <a:t>Sentences</a:t>
-            </a:r>
-          </a:p>
-        </p:txBody>
-      </p:sp>
-      <p:sp>
-        <p:nvSpPr>
-          <p:cNvPr id="16" name="Arrow: Bent 15">
-            <a:extLst>
-              <a:ext uri="{FF2B5EF4-FFF2-40B4-BE49-F238E27FC236}">
-                <a16:creationId xmlns:a16="http://schemas.microsoft.com/office/drawing/2014/main" id="{A67D545E-C543-47B7-90FE-4740302032B7}"/>
-              </a:ext>
-            </a:extLst>
-          </p:cNvPr>
-          <p:cNvSpPr/>
-          <p:nvPr/>
-        </p:nvSpPr>
-        <p:spPr>
-          <a:xfrm rot="10800000">
-            <a:off x="9748009" y="3925321"/>
-            <a:ext cx="793272" cy="690817"/>
-          </a:xfrm>
-          <a:prstGeom prst="bentArrow">
-            <a:avLst/>
-          </a:prstGeom>
-        </p:spPr>
-        <p:style>
-          <a:lnRef idx="1">
-            <a:schemeClr val="accent4"/>
-          </a:lnRef>
-          <a:fillRef idx="2">
-            <a:schemeClr val="accent4"/>
-          </a:fillRef>
-          <a:effectRef idx="1">
-            <a:schemeClr val="accent4"/>
-          </a:effectRef>
-          <a:fontRef idx="minor">
-            <a:schemeClr val="dk1"/>
-          </a:fontRef>
-        </p:style>
-        <p:txBody>
-          <a:bodyPr rtlCol="0" anchor="ctr"/>
-          <a:lstStyle/>
-          <a:p>
-            <a:pPr algn="ctr"/>
-            <a:endParaRPr lang="en-US">
+          <a:p>
+            <a:pPr marL="0" indent="0">
+              <a:buNone/>
+            </a:pPr>
+            <a:endParaRPr lang="en-GB" sz="2400" dirty="0">
               <a:solidFill>
-                <a:schemeClr val="tx1"/>
+                <a:schemeClr val="tx2">
+                  <a:lumMod val="75000"/>
+                </a:schemeClr>
               </a:solidFill>
             </a:endParaRPr>
           </a:p>
-        </p:txBody>
-      </p:sp>
-      <p:sp>
-        <p:nvSpPr>
-          <p:cNvPr id="17" name="Rectangle 16">
-            <a:extLst>
-              <a:ext uri="{FF2B5EF4-FFF2-40B4-BE49-F238E27FC236}">
-                <a16:creationId xmlns:a16="http://schemas.microsoft.com/office/drawing/2014/main" id="{3920015D-BC2A-4F55-B0FA-AA1CB9C347D8}"/>
-              </a:ext>
-            </a:extLst>
-          </p:cNvPr>
-          <p:cNvSpPr/>
-          <p:nvPr/>
-        </p:nvSpPr>
-        <p:spPr>
-          <a:xfrm>
-            <a:off x="8179267" y="4142520"/>
-            <a:ext cx="1312876" cy="576663"/>
-          </a:xfrm>
-          <a:prstGeom prst="rect">
-            <a:avLst/>
-          </a:prstGeom>
-        </p:spPr>
-        <p:style>
-          <a:lnRef idx="1">
-            <a:schemeClr val="accent5"/>
-          </a:lnRef>
-          <a:fillRef idx="2">
-            <a:schemeClr val="accent5"/>
-          </a:fillRef>
-          <a:effectRef idx="1">
-            <a:schemeClr val="accent5"/>
-          </a:effectRef>
-          <a:fontRef idx="minor">
-            <a:schemeClr val="dk1"/>
-          </a:fontRef>
-        </p:style>
-        <p:txBody>
-          <a:bodyPr rtlCol="0" anchor="ctr"/>
-          <a:lstStyle/>
-          <a:p>
-            <a:pPr algn="ctr"/>
-            <a:r>
-              <a:rPr lang="en-US" sz="1400" dirty="0">
-                <a:solidFill>
-                  <a:schemeClr val="accent1">
-                    <a:lumMod val="75000"/>
-                  </a:schemeClr>
-                </a:solidFill>
-              </a:rPr>
-              <a:t>Representation</a:t>
-            </a:r>
-          </a:p>
-        </p:txBody>
-      </p:sp>
-      <p:cxnSp>
-        <p:nvCxnSpPr>
-          <p:cNvPr id="19" name="Straight Arrow Connector 18">
-            <a:extLst>
-              <a:ext uri="{FF2B5EF4-FFF2-40B4-BE49-F238E27FC236}">
-                <a16:creationId xmlns:a16="http://schemas.microsoft.com/office/drawing/2014/main" id="{DD5C9C22-3DF5-4BE3-A3BE-58DBB7D625D2}"/>
-              </a:ext>
-            </a:extLst>
-          </p:cNvPr>
-          <p:cNvCxnSpPr>
-            <a:cxnSpLocks/>
-            <a:stCxn id="17" idx="2"/>
-          </p:cNvCxnSpPr>
-          <p:nvPr/>
-        </p:nvCxnSpPr>
-        <p:spPr>
-          <a:xfrm flipH="1">
-            <a:off x="7877262" y="4719183"/>
-            <a:ext cx="958443" cy="465213"/>
-          </a:xfrm>
-          <a:prstGeom prst="straightConnector1">
-            <a:avLst/>
-          </a:prstGeom>
-          <a:ln>
-            <a:tailEnd type="triangle"/>
-          </a:ln>
-        </p:spPr>
-        <p:style>
-          <a:lnRef idx="1">
-            <a:schemeClr val="accent1"/>
-          </a:lnRef>
-          <a:fillRef idx="0">
-            <a:schemeClr val="accent1"/>
-          </a:fillRef>
-          <a:effectRef idx="0">
-            <a:schemeClr val="accent1"/>
-          </a:effectRef>
-          <a:fontRef idx="minor">
-            <a:schemeClr val="tx1"/>
-          </a:fontRef>
-        </p:style>
-      </p:cxnSp>
-      <p:cxnSp>
-        <p:nvCxnSpPr>
-          <p:cNvPr id="21" name="Straight Arrow Connector 20">
-            <a:extLst>
-              <a:ext uri="{FF2B5EF4-FFF2-40B4-BE49-F238E27FC236}">
-                <a16:creationId xmlns:a16="http://schemas.microsoft.com/office/drawing/2014/main" id="{FC139BF8-10DB-4E9A-8713-15526B6A2CF2}"/>
-              </a:ext>
-            </a:extLst>
-          </p:cNvPr>
-          <p:cNvCxnSpPr>
-            <a:stCxn id="17" idx="2"/>
-          </p:cNvCxnSpPr>
-          <p:nvPr/>
-        </p:nvCxnSpPr>
-        <p:spPr>
-          <a:xfrm>
-            <a:off x="8835705" y="4719183"/>
-            <a:ext cx="987802" cy="465213"/>
-          </a:xfrm>
-          <a:prstGeom prst="straightConnector1">
-            <a:avLst/>
-          </a:prstGeom>
-          <a:ln>
-            <a:tailEnd type="triangle"/>
-          </a:ln>
-        </p:spPr>
-        <p:style>
-          <a:lnRef idx="1">
-            <a:schemeClr val="accent1"/>
-          </a:lnRef>
-          <a:fillRef idx="0">
-            <a:schemeClr val="accent1"/>
-          </a:fillRef>
-          <a:effectRef idx="0">
-            <a:schemeClr val="accent1"/>
-          </a:effectRef>
-          <a:fontRef idx="minor">
-            <a:schemeClr val="tx1"/>
-          </a:fontRef>
-        </p:style>
-      </p:cxnSp>
-      <p:sp>
-        <p:nvSpPr>
-          <p:cNvPr id="23" name="TextBox 22">
-            <a:extLst>
-              <a:ext uri="{FF2B5EF4-FFF2-40B4-BE49-F238E27FC236}">
-                <a16:creationId xmlns:a16="http://schemas.microsoft.com/office/drawing/2014/main" id="{6FEA1D9D-84E6-4BAB-A15C-AD527BCD237D}"/>
-              </a:ext>
-            </a:extLst>
-          </p:cNvPr>
-          <p:cNvSpPr txBox="1"/>
-          <p:nvPr/>
-        </p:nvSpPr>
-        <p:spPr>
-          <a:xfrm>
-            <a:off x="7501854" y="5226233"/>
-            <a:ext cx="853582" cy="369332"/>
-          </a:xfrm>
-          <a:prstGeom prst="rect">
-            <a:avLst/>
-          </a:prstGeom>
-          <a:noFill/>
-        </p:spPr>
-        <p:txBody>
-          <a:bodyPr wrap="square" rtlCol="0">
-            <a:spAutoFit/>
-          </a:bodyPr>
-          <a:lstStyle/>
-          <a:p>
-            <a:r>
-              <a:rPr lang="en-US" dirty="0">
-                <a:solidFill>
-                  <a:schemeClr val="accent1">
-                    <a:lumMod val="75000"/>
-                  </a:schemeClr>
-                </a:solidFill>
-              </a:rPr>
-              <a:t>Vector</a:t>
-            </a:r>
-          </a:p>
-        </p:txBody>
-      </p:sp>
-      <p:sp>
-        <p:nvSpPr>
-          <p:cNvPr id="24" name="TextBox 23">
-            <a:extLst>
-              <a:ext uri="{FF2B5EF4-FFF2-40B4-BE49-F238E27FC236}">
-                <a16:creationId xmlns:a16="http://schemas.microsoft.com/office/drawing/2014/main" id="{B3B20346-C521-4A83-BD54-FB9B0382B7FF}"/>
-              </a:ext>
-            </a:extLst>
-          </p:cNvPr>
-          <p:cNvSpPr txBox="1"/>
-          <p:nvPr/>
-        </p:nvSpPr>
-        <p:spPr>
-          <a:xfrm>
-            <a:off x="8638560" y="5229153"/>
-            <a:ext cx="853582" cy="369332"/>
-          </a:xfrm>
-          <a:prstGeom prst="rect">
-            <a:avLst/>
-          </a:prstGeom>
-          <a:noFill/>
-        </p:spPr>
-        <p:txBody>
-          <a:bodyPr wrap="square" rtlCol="0">
-            <a:spAutoFit/>
-          </a:bodyPr>
-          <a:lstStyle/>
-          <a:p>
-            <a:r>
-              <a:rPr lang="en-US" dirty="0">
-                <a:solidFill>
-                  <a:schemeClr val="accent1">
-                    <a:lumMod val="75000"/>
-                  </a:schemeClr>
-                </a:solidFill>
-              </a:rPr>
-              <a:t>…</a:t>
-            </a:r>
-          </a:p>
-        </p:txBody>
-      </p:sp>
-      <p:sp>
-        <p:nvSpPr>
-          <p:cNvPr id="25" name="TextBox 24">
-            <a:extLst>
-              <a:ext uri="{FF2B5EF4-FFF2-40B4-BE49-F238E27FC236}">
-                <a16:creationId xmlns:a16="http://schemas.microsoft.com/office/drawing/2014/main" id="{B7ADDB43-6DBB-40BE-981B-DA44D9A38B53}"/>
-              </a:ext>
-            </a:extLst>
-          </p:cNvPr>
-          <p:cNvSpPr txBox="1"/>
-          <p:nvPr/>
-        </p:nvSpPr>
-        <p:spPr>
-          <a:xfrm>
-            <a:off x="9466975" y="5239647"/>
-            <a:ext cx="853582" cy="369332"/>
-          </a:xfrm>
-          <a:prstGeom prst="rect">
-            <a:avLst/>
-          </a:prstGeom>
-          <a:noFill/>
-        </p:spPr>
-        <p:txBody>
-          <a:bodyPr wrap="square" rtlCol="0">
-            <a:spAutoFit/>
-          </a:bodyPr>
-          <a:lstStyle/>
-          <a:p>
-            <a:r>
-              <a:rPr lang="en-US" dirty="0">
-                <a:solidFill>
-                  <a:schemeClr val="accent1">
-                    <a:lumMod val="75000"/>
-                  </a:schemeClr>
-                </a:solidFill>
-              </a:rPr>
-              <a:t>Graph</a:t>
-            </a:r>
-          </a:p>
-        </p:txBody>
-      </p:sp>
-      <p:cxnSp>
-        <p:nvCxnSpPr>
-          <p:cNvPr id="27" name="Straight Arrow Connector 26">
-            <a:extLst>
-              <a:ext uri="{FF2B5EF4-FFF2-40B4-BE49-F238E27FC236}">
-                <a16:creationId xmlns:a16="http://schemas.microsoft.com/office/drawing/2014/main" id="{F7E7F490-E2E2-4DB2-B833-F3D8259DF151}"/>
-              </a:ext>
-            </a:extLst>
-          </p:cNvPr>
-          <p:cNvCxnSpPr>
-            <a:cxnSpLocks/>
-            <a:stCxn id="17" idx="2"/>
-          </p:cNvCxnSpPr>
-          <p:nvPr/>
-        </p:nvCxnSpPr>
-        <p:spPr>
-          <a:xfrm flipH="1">
-            <a:off x="8788608" y="4719183"/>
-            <a:ext cx="47097" cy="507050"/>
-          </a:xfrm>
-          <a:prstGeom prst="straightConnector1">
-            <a:avLst/>
-          </a:prstGeom>
-          <a:ln>
-            <a:tailEnd type="triangle"/>
-          </a:ln>
-        </p:spPr>
-        <p:style>
-          <a:lnRef idx="1">
-            <a:schemeClr val="accent1"/>
-          </a:lnRef>
-          <a:fillRef idx="0">
-            <a:schemeClr val="accent1"/>
-          </a:fillRef>
-          <a:effectRef idx="0">
-            <a:schemeClr val="accent1"/>
-          </a:effectRef>
-          <a:fontRef idx="minor">
-            <a:schemeClr val="tx1"/>
-          </a:fontRef>
-        </p:style>
-      </p:cxnSp>
+          <a:p>
+            <a:pPr marL="0" indent="0">
+              <a:buNone/>
+            </a:pPr>
+            <a:endParaRPr lang="en-GB" sz="2400" dirty="0">
+              <a:solidFill>
+                <a:schemeClr val="tx2">
+                  <a:lumMod val="75000"/>
+                </a:schemeClr>
+              </a:solidFill>
+            </a:endParaRPr>
+          </a:p>
+        </p:txBody>
+      </p:sp>
     </p:spTree>
     <p:extLst>
       <p:ext uri="{BB962C8B-B14F-4D97-AF65-F5344CB8AC3E}">
-        <p14:creationId xmlns:p14="http://schemas.microsoft.com/office/powerpoint/2010/main" val="3169054629"/>
+        <p14:creationId xmlns:p14="http://schemas.microsoft.com/office/powerpoint/2010/main" val="2104068317"/>
       </p:ext>
     </p:extLst>
   </p:cSld>
